--- a/Files/MoonriseMoviesPresentation.pptx
+++ b/Files/MoonriseMoviesPresentation.pptx
@@ -15,6 +15,13 @@
     <p:sldId id="263" r:id="rId9"/>
     <p:sldId id="264" r:id="rId10"/>
     <p:sldId id="265" r:id="rId11"/>
+    <p:sldId id="266" r:id="rId12"/>
+    <p:sldId id="267" r:id="rId13"/>
+    <p:sldId id="268" r:id="rId14"/>
+    <p:sldId id="269" r:id="rId15"/>
+    <p:sldId id="270" r:id="rId16"/>
+    <p:sldId id="271" r:id="rId17"/>
+    <p:sldId id="272" r:id="rId18"/>
   </p:sldIdLst>
   <p:sldSz cx="12192000" cy="6858000"/>
   <p:notesSz cx="6858000" cy="9144000"/>
@@ -113,6 +120,11 @@
       </a:defRPr>
     </a:lvl9pPr>
   </p:defaultTextStyle>
+  <p:extLst>
+    <p:ext uri="{EFAFB233-063F-42B5-8137-9DF3F51BA10A}">
+      <p15:sldGuideLst xmlns:p15="http://schemas.microsoft.com/office/powerpoint/2012/main"/>
+    </p:ext>
+  </p:extLst>
 </p:presentation>
 </file>
 
@@ -299,7 +311,7 @@
           <a:p>
             <a:fld id="{C4C73551-F007-4CC9-A6B5-FBD21EF4FF8D}" type="datetimeFigureOut">
               <a:rPr lang="en-CA" smtClean="0"/>
-              <a:t>10/11/2022</a:t>
+              <a:t>13/11/2022</a:t>
             </a:fld>
             <a:endParaRPr lang="en-CA"/>
           </a:p>
@@ -574,7 +586,7 @@
           <a:p>
             <a:fld id="{C4C73551-F007-4CC9-A6B5-FBD21EF4FF8D}" type="datetimeFigureOut">
               <a:rPr lang="en-CA" smtClean="0"/>
-              <a:t>10/11/2022</a:t>
+              <a:t>13/11/2022</a:t>
             </a:fld>
             <a:endParaRPr lang="en-CA"/>
           </a:p>
@@ -768,7 +780,7 @@
           <a:p>
             <a:fld id="{C4C73551-F007-4CC9-A6B5-FBD21EF4FF8D}" type="datetimeFigureOut">
               <a:rPr lang="en-CA" smtClean="0"/>
-              <a:t>10/11/2022</a:t>
+              <a:t>13/11/2022</a:t>
             </a:fld>
             <a:endParaRPr lang="en-CA"/>
           </a:p>
@@ -1036,7 +1048,7 @@
           <a:p>
             <a:fld id="{C4C73551-F007-4CC9-A6B5-FBD21EF4FF8D}" type="datetimeFigureOut">
               <a:rPr lang="en-CA" smtClean="0"/>
-              <a:t>10/11/2022</a:t>
+              <a:t>13/11/2022</a:t>
             </a:fld>
             <a:endParaRPr lang="en-CA"/>
           </a:p>
@@ -1368,7 +1380,7 @@
           <a:p>
             <a:fld id="{C4C73551-F007-4CC9-A6B5-FBD21EF4FF8D}" type="datetimeFigureOut">
               <a:rPr lang="en-CA" smtClean="0"/>
-              <a:t>10/11/2022</a:t>
+              <a:t>13/11/2022</a:t>
             </a:fld>
             <a:endParaRPr lang="en-CA"/>
           </a:p>
@@ -1978,7 +1990,7 @@
           <a:p>
             <a:fld id="{C4C73551-F007-4CC9-A6B5-FBD21EF4FF8D}" type="datetimeFigureOut">
               <a:rPr lang="en-CA" smtClean="0"/>
-              <a:t>10/11/2022</a:t>
+              <a:t>13/11/2022</a:t>
             </a:fld>
             <a:endParaRPr lang="en-CA"/>
           </a:p>
@@ -2825,7 +2837,7 @@
           <a:p>
             <a:fld id="{C4C73551-F007-4CC9-A6B5-FBD21EF4FF8D}" type="datetimeFigureOut">
               <a:rPr lang="en-CA" smtClean="0"/>
-              <a:t>10/11/2022</a:t>
+              <a:t>13/11/2022</a:t>
             </a:fld>
             <a:endParaRPr lang="en-CA"/>
           </a:p>
@@ -2995,7 +3007,7 @@
           <a:p>
             <a:fld id="{C4C73551-F007-4CC9-A6B5-FBD21EF4FF8D}" type="datetimeFigureOut">
               <a:rPr lang="en-CA" smtClean="0"/>
-              <a:t>10/11/2022</a:t>
+              <a:t>13/11/2022</a:t>
             </a:fld>
             <a:endParaRPr lang="en-CA"/>
           </a:p>
@@ -3175,7 +3187,7 @@
           <a:p>
             <a:fld id="{C4C73551-F007-4CC9-A6B5-FBD21EF4FF8D}" type="datetimeFigureOut">
               <a:rPr lang="en-CA" smtClean="0"/>
-              <a:t>10/11/2022</a:t>
+              <a:t>13/11/2022</a:t>
             </a:fld>
             <a:endParaRPr lang="en-CA"/>
           </a:p>
@@ -3345,7 +3357,7 @@
           <a:p>
             <a:fld id="{C4C73551-F007-4CC9-A6B5-FBD21EF4FF8D}" type="datetimeFigureOut">
               <a:rPr lang="en-CA" smtClean="0"/>
-              <a:t>10/11/2022</a:t>
+              <a:t>13/11/2022</a:t>
             </a:fld>
             <a:endParaRPr lang="en-CA"/>
           </a:p>
@@ -3589,7 +3601,7 @@
           <a:p>
             <a:fld id="{C4C73551-F007-4CC9-A6B5-FBD21EF4FF8D}" type="datetimeFigureOut">
               <a:rPr lang="en-CA" smtClean="0"/>
-              <a:t>10/11/2022</a:t>
+              <a:t>13/11/2022</a:t>
             </a:fld>
             <a:endParaRPr lang="en-CA"/>
           </a:p>
@@ -3881,7 +3893,7 @@
           <a:p>
             <a:fld id="{C4C73551-F007-4CC9-A6B5-FBD21EF4FF8D}" type="datetimeFigureOut">
               <a:rPr lang="en-CA" smtClean="0"/>
-              <a:t>10/11/2022</a:t>
+              <a:t>13/11/2022</a:t>
             </a:fld>
             <a:endParaRPr lang="en-CA"/>
           </a:p>
@@ -4319,7 +4331,7 @@
           <a:p>
             <a:fld id="{C4C73551-F007-4CC9-A6B5-FBD21EF4FF8D}" type="datetimeFigureOut">
               <a:rPr lang="en-CA" smtClean="0"/>
-              <a:t>10/11/2022</a:t>
+              <a:t>13/11/2022</a:t>
             </a:fld>
             <a:endParaRPr lang="en-CA"/>
           </a:p>
@@ -4437,7 +4449,7 @@
           <a:p>
             <a:fld id="{C4C73551-F007-4CC9-A6B5-FBD21EF4FF8D}" type="datetimeFigureOut">
               <a:rPr lang="en-CA" smtClean="0"/>
-              <a:t>10/11/2022</a:t>
+              <a:t>13/11/2022</a:t>
             </a:fld>
             <a:endParaRPr lang="en-CA"/>
           </a:p>
@@ -4532,7 +4544,7 @@
           <a:p>
             <a:fld id="{C4C73551-F007-4CC9-A6B5-FBD21EF4FF8D}" type="datetimeFigureOut">
               <a:rPr lang="en-CA" smtClean="0"/>
-              <a:t>10/11/2022</a:t>
+              <a:t>13/11/2022</a:t>
             </a:fld>
             <a:endParaRPr lang="en-CA"/>
           </a:p>
@@ -4811,7 +4823,7 @@
           <a:p>
             <a:fld id="{C4C73551-F007-4CC9-A6B5-FBD21EF4FF8D}" type="datetimeFigureOut">
               <a:rPr lang="en-CA" smtClean="0"/>
-              <a:t>10/11/2022</a:t>
+              <a:t>13/11/2022</a:t>
             </a:fld>
             <a:endParaRPr lang="en-CA"/>
           </a:p>
@@ -5086,7 +5098,7 @@
           <a:p>
             <a:fld id="{C4C73551-F007-4CC9-A6B5-FBD21EF4FF8D}" type="datetimeFigureOut">
               <a:rPr lang="en-CA" smtClean="0"/>
-              <a:t>10/11/2022</a:t>
+              <a:t>13/11/2022</a:t>
             </a:fld>
             <a:endParaRPr lang="en-CA"/>
           </a:p>
@@ -5515,7 +5527,7 @@
           <a:p>
             <a:fld id="{C4C73551-F007-4CC9-A6B5-FBD21EF4FF8D}" type="datetimeFigureOut">
               <a:rPr lang="en-CA" smtClean="0"/>
-              <a:t>10/11/2022</a:t>
+              <a:t>13/11/2022</a:t>
             </a:fld>
             <a:endParaRPr lang="en-CA"/>
           </a:p>
@@ -6167,7 +6179,10 @@
           <a:bodyPr/>
           <a:lstStyle/>
           <a:p>
-            <a:endParaRPr lang="en-CA" dirty="0"/>
+            <a:r>
+              <a:rPr lang="en-CA" dirty="0"/>
+              <a:t>Challenges and Solutions 3</a:t>
+            </a:r>
           </a:p>
         </p:txBody>
       </p:sp>
@@ -6245,6 +6260,840 @@
 </p:sld>
 </file>
 
+<file path=ppt/slides/slide11.xml><?xml version="1.0" encoding="utf-8"?>
+<p:sld xmlns:a="http://schemas.openxmlformats.org/drawingml/2006/main" xmlns:r="http://schemas.openxmlformats.org/officeDocument/2006/relationships" xmlns:p="http://schemas.openxmlformats.org/presentationml/2006/main">
+  <p:cSld>
+    <p:spTree>
+      <p:nvGrpSpPr>
+        <p:cNvPr id="1" name=""/>
+        <p:cNvGrpSpPr/>
+        <p:nvPr/>
+      </p:nvGrpSpPr>
+      <p:grpSpPr>
+        <a:xfrm>
+          <a:off x="0" y="0"/>
+          <a:ext cx="0" cy="0"/>
+          <a:chOff x="0" y="0"/>
+          <a:chExt cx="0" cy="0"/>
+        </a:xfrm>
+      </p:grpSpPr>
+      <p:sp>
+        <p:nvSpPr>
+          <p:cNvPr id="2" name="Title 1">
+            <a:extLst>
+              <a:ext uri="{FF2B5EF4-FFF2-40B4-BE49-F238E27FC236}">
+                <a16:creationId xmlns:a16="http://schemas.microsoft.com/office/drawing/2014/main" id="{5843CB88-8D67-0BE1-38D9-76F6BEFDA400}"/>
+              </a:ext>
+            </a:extLst>
+          </p:cNvPr>
+          <p:cNvSpPr>
+            <a:spLocks noGrp="1"/>
+          </p:cNvSpPr>
+          <p:nvPr>
+            <p:ph type="title"/>
+          </p:nvPr>
+        </p:nvSpPr>
+        <p:spPr/>
+        <p:txBody>
+          <a:bodyPr/>
+          <a:lstStyle/>
+          <a:p>
+            <a:r>
+              <a:rPr lang="en-CA" dirty="0"/>
+              <a:t>Challenges and Solutions 4</a:t>
+            </a:r>
+          </a:p>
+        </p:txBody>
+      </p:sp>
+      <p:sp>
+        <p:nvSpPr>
+          <p:cNvPr id="3" name="Content Placeholder 2">
+            <a:extLst>
+              <a:ext uri="{FF2B5EF4-FFF2-40B4-BE49-F238E27FC236}">
+                <a16:creationId xmlns:a16="http://schemas.microsoft.com/office/drawing/2014/main" id="{29D0438E-EC23-FFAB-ED8F-E7DAB2CF740B}"/>
+              </a:ext>
+            </a:extLst>
+          </p:cNvPr>
+          <p:cNvSpPr>
+            <a:spLocks noGrp="1"/>
+          </p:cNvSpPr>
+          <p:nvPr>
+            <p:ph idx="1"/>
+          </p:nvPr>
+        </p:nvSpPr>
+        <p:spPr/>
+        <p:txBody>
+          <a:bodyPr/>
+          <a:lstStyle/>
+          <a:p>
+            <a:endParaRPr lang="en-CA"/>
+          </a:p>
+        </p:txBody>
+      </p:sp>
+      <p:pic>
+        <p:nvPicPr>
+          <p:cNvPr id="6" name="Picture 5" descr="A picture containing cup, gambling house, tableware, coffee cup&#10;&#10;Description automatically generated">
+            <a:extLst>
+              <a:ext uri="{FF2B5EF4-FFF2-40B4-BE49-F238E27FC236}">
+                <a16:creationId xmlns:a16="http://schemas.microsoft.com/office/drawing/2014/main" id="{5E6D3C85-2BED-80D3-F5B8-E48E08DDAFEC}"/>
+              </a:ext>
+            </a:extLst>
+          </p:cNvPr>
+          <p:cNvPicPr>
+            <a:picLocks noChangeAspect="1"/>
+          </p:cNvPicPr>
+          <p:nvPr/>
+        </p:nvPicPr>
+        <p:blipFill>
+          <a:blip r:embed="rId2">
+            <a:extLst>
+              <a:ext uri="{28A0092B-C50C-407E-A947-70E740481C1C}">
+                <a14:useLocalDpi xmlns:a14="http://schemas.microsoft.com/office/drawing/2010/main" val="0"/>
+              </a:ext>
+            </a:extLst>
+          </a:blip>
+          <a:stretch>
+            <a:fillRect/>
+          </a:stretch>
+        </p:blipFill>
+        <p:spPr>
+          <a:xfrm>
+            <a:off x="10426396" y="427418"/>
+            <a:ext cx="705096" cy="705096"/>
+          </a:xfrm>
+          <a:prstGeom prst="rect">
+            <a:avLst/>
+          </a:prstGeom>
+        </p:spPr>
+      </p:pic>
+    </p:spTree>
+    <p:extLst>
+      <p:ext uri="{BB962C8B-B14F-4D97-AF65-F5344CB8AC3E}">
+        <p14:creationId xmlns:p14="http://schemas.microsoft.com/office/powerpoint/2010/main" val="3413476484"/>
+      </p:ext>
+    </p:extLst>
+  </p:cSld>
+  <p:clrMapOvr>
+    <a:masterClrMapping/>
+  </p:clrMapOvr>
+</p:sld>
+</file>
+
+<file path=ppt/slides/slide12.xml><?xml version="1.0" encoding="utf-8"?>
+<p:sld xmlns:a="http://schemas.openxmlformats.org/drawingml/2006/main" xmlns:r="http://schemas.openxmlformats.org/officeDocument/2006/relationships" xmlns:p="http://schemas.openxmlformats.org/presentationml/2006/main">
+  <p:cSld>
+    <p:spTree>
+      <p:nvGrpSpPr>
+        <p:cNvPr id="1" name=""/>
+        <p:cNvGrpSpPr/>
+        <p:nvPr/>
+      </p:nvGrpSpPr>
+      <p:grpSpPr>
+        <a:xfrm>
+          <a:off x="0" y="0"/>
+          <a:ext cx="0" cy="0"/>
+          <a:chOff x="0" y="0"/>
+          <a:chExt cx="0" cy="0"/>
+        </a:xfrm>
+      </p:grpSpPr>
+      <p:sp>
+        <p:nvSpPr>
+          <p:cNvPr id="2" name="Title 1">
+            <a:extLst>
+              <a:ext uri="{FF2B5EF4-FFF2-40B4-BE49-F238E27FC236}">
+                <a16:creationId xmlns:a16="http://schemas.microsoft.com/office/drawing/2014/main" id="{5843CB88-8D67-0BE1-38D9-76F6BEFDA400}"/>
+              </a:ext>
+            </a:extLst>
+          </p:cNvPr>
+          <p:cNvSpPr>
+            <a:spLocks noGrp="1"/>
+          </p:cNvSpPr>
+          <p:nvPr>
+            <p:ph type="title"/>
+          </p:nvPr>
+        </p:nvSpPr>
+        <p:spPr/>
+        <p:txBody>
+          <a:bodyPr/>
+          <a:lstStyle/>
+          <a:p>
+            <a:r>
+              <a:rPr lang="en-CA" dirty="0"/>
+              <a:t>What we Learned 1</a:t>
+            </a:r>
+          </a:p>
+        </p:txBody>
+      </p:sp>
+      <p:sp>
+        <p:nvSpPr>
+          <p:cNvPr id="3" name="Content Placeholder 2">
+            <a:extLst>
+              <a:ext uri="{FF2B5EF4-FFF2-40B4-BE49-F238E27FC236}">
+                <a16:creationId xmlns:a16="http://schemas.microsoft.com/office/drawing/2014/main" id="{29D0438E-EC23-FFAB-ED8F-E7DAB2CF740B}"/>
+              </a:ext>
+            </a:extLst>
+          </p:cNvPr>
+          <p:cNvSpPr>
+            <a:spLocks noGrp="1"/>
+          </p:cNvSpPr>
+          <p:nvPr>
+            <p:ph idx="1"/>
+          </p:nvPr>
+        </p:nvSpPr>
+        <p:spPr/>
+        <p:txBody>
+          <a:bodyPr/>
+          <a:lstStyle/>
+          <a:p>
+            <a:endParaRPr lang="en-CA"/>
+          </a:p>
+        </p:txBody>
+      </p:sp>
+      <p:pic>
+        <p:nvPicPr>
+          <p:cNvPr id="6" name="Picture 5" descr="A picture containing cup, gambling house, tableware, coffee cup&#10;&#10;Description automatically generated">
+            <a:extLst>
+              <a:ext uri="{FF2B5EF4-FFF2-40B4-BE49-F238E27FC236}">
+                <a16:creationId xmlns:a16="http://schemas.microsoft.com/office/drawing/2014/main" id="{5E6D3C85-2BED-80D3-F5B8-E48E08DDAFEC}"/>
+              </a:ext>
+            </a:extLst>
+          </p:cNvPr>
+          <p:cNvPicPr>
+            <a:picLocks noChangeAspect="1"/>
+          </p:cNvPicPr>
+          <p:nvPr/>
+        </p:nvPicPr>
+        <p:blipFill>
+          <a:blip r:embed="rId2">
+            <a:extLst>
+              <a:ext uri="{28A0092B-C50C-407E-A947-70E740481C1C}">
+                <a14:useLocalDpi xmlns:a14="http://schemas.microsoft.com/office/drawing/2010/main" val="0"/>
+              </a:ext>
+            </a:extLst>
+          </a:blip>
+          <a:stretch>
+            <a:fillRect/>
+          </a:stretch>
+        </p:blipFill>
+        <p:spPr>
+          <a:xfrm>
+            <a:off x="10426396" y="427418"/>
+            <a:ext cx="705096" cy="705096"/>
+          </a:xfrm>
+          <a:prstGeom prst="rect">
+            <a:avLst/>
+          </a:prstGeom>
+        </p:spPr>
+      </p:pic>
+    </p:spTree>
+    <p:extLst>
+      <p:ext uri="{BB962C8B-B14F-4D97-AF65-F5344CB8AC3E}">
+        <p14:creationId xmlns:p14="http://schemas.microsoft.com/office/powerpoint/2010/main" val="4188157836"/>
+      </p:ext>
+    </p:extLst>
+  </p:cSld>
+  <p:clrMapOvr>
+    <a:masterClrMapping/>
+  </p:clrMapOvr>
+</p:sld>
+</file>
+
+<file path=ppt/slides/slide13.xml><?xml version="1.0" encoding="utf-8"?>
+<p:sld xmlns:a="http://schemas.openxmlformats.org/drawingml/2006/main" xmlns:r="http://schemas.openxmlformats.org/officeDocument/2006/relationships" xmlns:p="http://schemas.openxmlformats.org/presentationml/2006/main">
+  <p:cSld>
+    <p:spTree>
+      <p:nvGrpSpPr>
+        <p:cNvPr id="1" name=""/>
+        <p:cNvGrpSpPr/>
+        <p:nvPr/>
+      </p:nvGrpSpPr>
+      <p:grpSpPr>
+        <a:xfrm>
+          <a:off x="0" y="0"/>
+          <a:ext cx="0" cy="0"/>
+          <a:chOff x="0" y="0"/>
+          <a:chExt cx="0" cy="0"/>
+        </a:xfrm>
+      </p:grpSpPr>
+      <p:sp>
+        <p:nvSpPr>
+          <p:cNvPr id="2" name="Title 1">
+            <a:extLst>
+              <a:ext uri="{FF2B5EF4-FFF2-40B4-BE49-F238E27FC236}">
+                <a16:creationId xmlns:a16="http://schemas.microsoft.com/office/drawing/2014/main" id="{5843CB88-8D67-0BE1-38D9-76F6BEFDA400}"/>
+              </a:ext>
+            </a:extLst>
+          </p:cNvPr>
+          <p:cNvSpPr>
+            <a:spLocks noGrp="1"/>
+          </p:cNvSpPr>
+          <p:nvPr>
+            <p:ph type="title"/>
+          </p:nvPr>
+        </p:nvSpPr>
+        <p:spPr/>
+        <p:txBody>
+          <a:bodyPr/>
+          <a:lstStyle/>
+          <a:p>
+            <a:r>
+              <a:rPr lang="en-CA" dirty="0"/>
+              <a:t>What we Learned 2</a:t>
+            </a:r>
+          </a:p>
+        </p:txBody>
+      </p:sp>
+      <p:sp>
+        <p:nvSpPr>
+          <p:cNvPr id="3" name="Content Placeholder 2">
+            <a:extLst>
+              <a:ext uri="{FF2B5EF4-FFF2-40B4-BE49-F238E27FC236}">
+                <a16:creationId xmlns:a16="http://schemas.microsoft.com/office/drawing/2014/main" id="{29D0438E-EC23-FFAB-ED8F-E7DAB2CF740B}"/>
+              </a:ext>
+            </a:extLst>
+          </p:cNvPr>
+          <p:cNvSpPr>
+            <a:spLocks noGrp="1"/>
+          </p:cNvSpPr>
+          <p:nvPr>
+            <p:ph idx="1"/>
+          </p:nvPr>
+        </p:nvSpPr>
+        <p:spPr/>
+        <p:txBody>
+          <a:bodyPr/>
+          <a:lstStyle/>
+          <a:p>
+            <a:endParaRPr lang="en-CA"/>
+          </a:p>
+        </p:txBody>
+      </p:sp>
+      <p:pic>
+        <p:nvPicPr>
+          <p:cNvPr id="6" name="Picture 5" descr="A picture containing cup, gambling house, tableware, coffee cup&#10;&#10;Description automatically generated">
+            <a:extLst>
+              <a:ext uri="{FF2B5EF4-FFF2-40B4-BE49-F238E27FC236}">
+                <a16:creationId xmlns:a16="http://schemas.microsoft.com/office/drawing/2014/main" id="{5E6D3C85-2BED-80D3-F5B8-E48E08DDAFEC}"/>
+              </a:ext>
+            </a:extLst>
+          </p:cNvPr>
+          <p:cNvPicPr>
+            <a:picLocks noChangeAspect="1"/>
+          </p:cNvPicPr>
+          <p:nvPr/>
+        </p:nvPicPr>
+        <p:blipFill>
+          <a:blip r:embed="rId2">
+            <a:extLst>
+              <a:ext uri="{28A0092B-C50C-407E-A947-70E740481C1C}">
+                <a14:useLocalDpi xmlns:a14="http://schemas.microsoft.com/office/drawing/2010/main" val="0"/>
+              </a:ext>
+            </a:extLst>
+          </a:blip>
+          <a:stretch>
+            <a:fillRect/>
+          </a:stretch>
+        </p:blipFill>
+        <p:spPr>
+          <a:xfrm>
+            <a:off x="10426396" y="427418"/>
+            <a:ext cx="705096" cy="705096"/>
+          </a:xfrm>
+          <a:prstGeom prst="rect">
+            <a:avLst/>
+          </a:prstGeom>
+        </p:spPr>
+      </p:pic>
+    </p:spTree>
+    <p:extLst>
+      <p:ext uri="{BB962C8B-B14F-4D97-AF65-F5344CB8AC3E}">
+        <p14:creationId xmlns:p14="http://schemas.microsoft.com/office/powerpoint/2010/main" val="43463190"/>
+      </p:ext>
+    </p:extLst>
+  </p:cSld>
+  <p:clrMapOvr>
+    <a:masterClrMapping/>
+  </p:clrMapOvr>
+</p:sld>
+</file>
+
+<file path=ppt/slides/slide14.xml><?xml version="1.0" encoding="utf-8"?>
+<p:sld xmlns:a="http://schemas.openxmlformats.org/drawingml/2006/main" xmlns:r="http://schemas.openxmlformats.org/officeDocument/2006/relationships" xmlns:p="http://schemas.openxmlformats.org/presentationml/2006/main">
+  <p:cSld>
+    <p:spTree>
+      <p:nvGrpSpPr>
+        <p:cNvPr id="1" name=""/>
+        <p:cNvGrpSpPr/>
+        <p:nvPr/>
+      </p:nvGrpSpPr>
+      <p:grpSpPr>
+        <a:xfrm>
+          <a:off x="0" y="0"/>
+          <a:ext cx="0" cy="0"/>
+          <a:chOff x="0" y="0"/>
+          <a:chExt cx="0" cy="0"/>
+        </a:xfrm>
+      </p:grpSpPr>
+      <p:sp>
+        <p:nvSpPr>
+          <p:cNvPr id="2" name="Title 1">
+            <a:extLst>
+              <a:ext uri="{FF2B5EF4-FFF2-40B4-BE49-F238E27FC236}">
+                <a16:creationId xmlns:a16="http://schemas.microsoft.com/office/drawing/2014/main" id="{5843CB88-8D67-0BE1-38D9-76F6BEFDA400}"/>
+              </a:ext>
+            </a:extLst>
+          </p:cNvPr>
+          <p:cNvSpPr>
+            <a:spLocks noGrp="1"/>
+          </p:cNvSpPr>
+          <p:nvPr>
+            <p:ph type="title"/>
+          </p:nvPr>
+        </p:nvSpPr>
+        <p:spPr/>
+        <p:txBody>
+          <a:bodyPr/>
+          <a:lstStyle/>
+          <a:p>
+            <a:r>
+              <a:rPr lang="en-CA" dirty="0"/>
+              <a:t>What we Learned 3</a:t>
+            </a:r>
+          </a:p>
+        </p:txBody>
+      </p:sp>
+      <p:sp>
+        <p:nvSpPr>
+          <p:cNvPr id="3" name="Content Placeholder 2">
+            <a:extLst>
+              <a:ext uri="{FF2B5EF4-FFF2-40B4-BE49-F238E27FC236}">
+                <a16:creationId xmlns:a16="http://schemas.microsoft.com/office/drawing/2014/main" id="{29D0438E-EC23-FFAB-ED8F-E7DAB2CF740B}"/>
+              </a:ext>
+            </a:extLst>
+          </p:cNvPr>
+          <p:cNvSpPr>
+            <a:spLocks noGrp="1"/>
+          </p:cNvSpPr>
+          <p:nvPr>
+            <p:ph idx="1"/>
+          </p:nvPr>
+        </p:nvSpPr>
+        <p:spPr/>
+        <p:txBody>
+          <a:bodyPr/>
+          <a:lstStyle/>
+          <a:p>
+            <a:endParaRPr lang="en-CA"/>
+          </a:p>
+        </p:txBody>
+      </p:sp>
+      <p:pic>
+        <p:nvPicPr>
+          <p:cNvPr id="6" name="Picture 5" descr="A picture containing cup, gambling house, tableware, coffee cup&#10;&#10;Description automatically generated">
+            <a:extLst>
+              <a:ext uri="{FF2B5EF4-FFF2-40B4-BE49-F238E27FC236}">
+                <a16:creationId xmlns:a16="http://schemas.microsoft.com/office/drawing/2014/main" id="{5E6D3C85-2BED-80D3-F5B8-E48E08DDAFEC}"/>
+              </a:ext>
+            </a:extLst>
+          </p:cNvPr>
+          <p:cNvPicPr>
+            <a:picLocks noChangeAspect="1"/>
+          </p:cNvPicPr>
+          <p:nvPr/>
+        </p:nvPicPr>
+        <p:blipFill>
+          <a:blip r:embed="rId2">
+            <a:extLst>
+              <a:ext uri="{28A0092B-C50C-407E-A947-70E740481C1C}">
+                <a14:useLocalDpi xmlns:a14="http://schemas.microsoft.com/office/drawing/2010/main" val="0"/>
+              </a:ext>
+            </a:extLst>
+          </a:blip>
+          <a:stretch>
+            <a:fillRect/>
+          </a:stretch>
+        </p:blipFill>
+        <p:spPr>
+          <a:xfrm>
+            <a:off x="10426396" y="427418"/>
+            <a:ext cx="705096" cy="705096"/>
+          </a:xfrm>
+          <a:prstGeom prst="rect">
+            <a:avLst/>
+          </a:prstGeom>
+        </p:spPr>
+      </p:pic>
+    </p:spTree>
+    <p:extLst>
+      <p:ext uri="{BB962C8B-B14F-4D97-AF65-F5344CB8AC3E}">
+        <p14:creationId xmlns:p14="http://schemas.microsoft.com/office/powerpoint/2010/main" val="1633954740"/>
+      </p:ext>
+    </p:extLst>
+  </p:cSld>
+  <p:clrMapOvr>
+    <a:masterClrMapping/>
+  </p:clrMapOvr>
+</p:sld>
+</file>
+
+<file path=ppt/slides/slide15.xml><?xml version="1.0" encoding="utf-8"?>
+<p:sld xmlns:a="http://schemas.openxmlformats.org/drawingml/2006/main" xmlns:r="http://schemas.openxmlformats.org/officeDocument/2006/relationships" xmlns:p="http://schemas.openxmlformats.org/presentationml/2006/main">
+  <p:cSld>
+    <p:spTree>
+      <p:nvGrpSpPr>
+        <p:cNvPr id="1" name=""/>
+        <p:cNvGrpSpPr/>
+        <p:nvPr/>
+      </p:nvGrpSpPr>
+      <p:grpSpPr>
+        <a:xfrm>
+          <a:off x="0" y="0"/>
+          <a:ext cx="0" cy="0"/>
+          <a:chOff x="0" y="0"/>
+          <a:chExt cx="0" cy="0"/>
+        </a:xfrm>
+      </p:grpSpPr>
+      <p:sp>
+        <p:nvSpPr>
+          <p:cNvPr id="2" name="Title 1">
+            <a:extLst>
+              <a:ext uri="{FF2B5EF4-FFF2-40B4-BE49-F238E27FC236}">
+                <a16:creationId xmlns:a16="http://schemas.microsoft.com/office/drawing/2014/main" id="{5843CB88-8D67-0BE1-38D9-76F6BEFDA400}"/>
+              </a:ext>
+            </a:extLst>
+          </p:cNvPr>
+          <p:cNvSpPr>
+            <a:spLocks noGrp="1"/>
+          </p:cNvSpPr>
+          <p:nvPr>
+            <p:ph type="title"/>
+          </p:nvPr>
+        </p:nvSpPr>
+        <p:spPr/>
+        <p:txBody>
+          <a:bodyPr/>
+          <a:lstStyle/>
+          <a:p>
+            <a:r>
+              <a:rPr lang="en-CA" dirty="0"/>
+              <a:t>What we Learned 4</a:t>
+            </a:r>
+          </a:p>
+        </p:txBody>
+      </p:sp>
+      <p:sp>
+        <p:nvSpPr>
+          <p:cNvPr id="3" name="Content Placeholder 2">
+            <a:extLst>
+              <a:ext uri="{FF2B5EF4-FFF2-40B4-BE49-F238E27FC236}">
+                <a16:creationId xmlns:a16="http://schemas.microsoft.com/office/drawing/2014/main" id="{29D0438E-EC23-FFAB-ED8F-E7DAB2CF740B}"/>
+              </a:ext>
+            </a:extLst>
+          </p:cNvPr>
+          <p:cNvSpPr>
+            <a:spLocks noGrp="1"/>
+          </p:cNvSpPr>
+          <p:nvPr>
+            <p:ph idx="1"/>
+          </p:nvPr>
+        </p:nvSpPr>
+        <p:spPr/>
+        <p:txBody>
+          <a:bodyPr/>
+          <a:lstStyle/>
+          <a:p>
+            <a:endParaRPr lang="en-CA"/>
+          </a:p>
+        </p:txBody>
+      </p:sp>
+      <p:pic>
+        <p:nvPicPr>
+          <p:cNvPr id="6" name="Picture 5" descr="A picture containing cup, gambling house, tableware, coffee cup&#10;&#10;Description automatically generated">
+            <a:extLst>
+              <a:ext uri="{FF2B5EF4-FFF2-40B4-BE49-F238E27FC236}">
+                <a16:creationId xmlns:a16="http://schemas.microsoft.com/office/drawing/2014/main" id="{5E6D3C85-2BED-80D3-F5B8-E48E08DDAFEC}"/>
+              </a:ext>
+            </a:extLst>
+          </p:cNvPr>
+          <p:cNvPicPr>
+            <a:picLocks noChangeAspect="1"/>
+          </p:cNvPicPr>
+          <p:nvPr/>
+        </p:nvPicPr>
+        <p:blipFill>
+          <a:blip r:embed="rId2">
+            <a:extLst>
+              <a:ext uri="{28A0092B-C50C-407E-A947-70E740481C1C}">
+                <a14:useLocalDpi xmlns:a14="http://schemas.microsoft.com/office/drawing/2010/main" val="0"/>
+              </a:ext>
+            </a:extLst>
+          </a:blip>
+          <a:stretch>
+            <a:fillRect/>
+          </a:stretch>
+        </p:blipFill>
+        <p:spPr>
+          <a:xfrm>
+            <a:off x="10426396" y="427418"/>
+            <a:ext cx="705096" cy="705096"/>
+          </a:xfrm>
+          <a:prstGeom prst="rect">
+            <a:avLst/>
+          </a:prstGeom>
+        </p:spPr>
+      </p:pic>
+    </p:spTree>
+    <p:extLst>
+      <p:ext uri="{BB962C8B-B14F-4D97-AF65-F5344CB8AC3E}">
+        <p14:creationId xmlns:p14="http://schemas.microsoft.com/office/powerpoint/2010/main" val="2628444663"/>
+      </p:ext>
+    </p:extLst>
+  </p:cSld>
+  <p:clrMapOvr>
+    <a:masterClrMapping/>
+  </p:clrMapOvr>
+</p:sld>
+</file>
+
+<file path=ppt/slides/slide16.xml><?xml version="1.0" encoding="utf-8"?>
+<p:sld xmlns:a="http://schemas.openxmlformats.org/drawingml/2006/main" xmlns:r="http://schemas.openxmlformats.org/officeDocument/2006/relationships" xmlns:p="http://schemas.openxmlformats.org/presentationml/2006/main">
+  <p:cSld>
+    <p:spTree>
+      <p:nvGrpSpPr>
+        <p:cNvPr id="1" name=""/>
+        <p:cNvGrpSpPr/>
+        <p:nvPr/>
+      </p:nvGrpSpPr>
+      <p:grpSpPr>
+        <a:xfrm>
+          <a:off x="0" y="0"/>
+          <a:ext cx="0" cy="0"/>
+          <a:chOff x="0" y="0"/>
+          <a:chExt cx="0" cy="0"/>
+        </a:xfrm>
+      </p:grpSpPr>
+      <p:sp>
+        <p:nvSpPr>
+          <p:cNvPr id="2" name="Title 1">
+            <a:extLst>
+              <a:ext uri="{FF2B5EF4-FFF2-40B4-BE49-F238E27FC236}">
+                <a16:creationId xmlns:a16="http://schemas.microsoft.com/office/drawing/2014/main" id="{5843CB88-8D67-0BE1-38D9-76F6BEFDA400}"/>
+              </a:ext>
+            </a:extLst>
+          </p:cNvPr>
+          <p:cNvSpPr>
+            <a:spLocks noGrp="1"/>
+          </p:cNvSpPr>
+          <p:nvPr>
+            <p:ph type="title"/>
+          </p:nvPr>
+        </p:nvSpPr>
+        <p:spPr/>
+        <p:txBody>
+          <a:bodyPr/>
+          <a:lstStyle/>
+          <a:p>
+            <a:r>
+              <a:rPr lang="en-CA" dirty="0"/>
+              <a:t>Future Work</a:t>
+            </a:r>
+          </a:p>
+        </p:txBody>
+      </p:sp>
+      <p:sp>
+        <p:nvSpPr>
+          <p:cNvPr id="3" name="Content Placeholder 2">
+            <a:extLst>
+              <a:ext uri="{FF2B5EF4-FFF2-40B4-BE49-F238E27FC236}">
+                <a16:creationId xmlns:a16="http://schemas.microsoft.com/office/drawing/2014/main" id="{29D0438E-EC23-FFAB-ED8F-E7DAB2CF740B}"/>
+              </a:ext>
+            </a:extLst>
+          </p:cNvPr>
+          <p:cNvSpPr>
+            <a:spLocks noGrp="1"/>
+          </p:cNvSpPr>
+          <p:nvPr>
+            <p:ph idx="1"/>
+          </p:nvPr>
+        </p:nvSpPr>
+        <p:spPr/>
+        <p:txBody>
+          <a:bodyPr/>
+          <a:lstStyle/>
+          <a:p>
+            <a:endParaRPr lang="en-CA"/>
+          </a:p>
+        </p:txBody>
+      </p:sp>
+      <p:pic>
+        <p:nvPicPr>
+          <p:cNvPr id="6" name="Picture 5" descr="A picture containing cup, gambling house, tableware, coffee cup&#10;&#10;Description automatically generated">
+            <a:extLst>
+              <a:ext uri="{FF2B5EF4-FFF2-40B4-BE49-F238E27FC236}">
+                <a16:creationId xmlns:a16="http://schemas.microsoft.com/office/drawing/2014/main" id="{5E6D3C85-2BED-80D3-F5B8-E48E08DDAFEC}"/>
+              </a:ext>
+            </a:extLst>
+          </p:cNvPr>
+          <p:cNvPicPr>
+            <a:picLocks noChangeAspect="1"/>
+          </p:cNvPicPr>
+          <p:nvPr/>
+        </p:nvPicPr>
+        <p:blipFill>
+          <a:blip r:embed="rId2">
+            <a:extLst>
+              <a:ext uri="{28A0092B-C50C-407E-A947-70E740481C1C}">
+                <a14:useLocalDpi xmlns:a14="http://schemas.microsoft.com/office/drawing/2010/main" val="0"/>
+              </a:ext>
+            </a:extLst>
+          </a:blip>
+          <a:stretch>
+            <a:fillRect/>
+          </a:stretch>
+        </p:blipFill>
+        <p:spPr>
+          <a:xfrm>
+            <a:off x="10426396" y="427418"/>
+            <a:ext cx="705096" cy="705096"/>
+          </a:xfrm>
+          <a:prstGeom prst="rect">
+            <a:avLst/>
+          </a:prstGeom>
+        </p:spPr>
+      </p:pic>
+    </p:spTree>
+    <p:extLst>
+      <p:ext uri="{BB962C8B-B14F-4D97-AF65-F5344CB8AC3E}">
+        <p14:creationId xmlns:p14="http://schemas.microsoft.com/office/powerpoint/2010/main" val="3123680228"/>
+      </p:ext>
+    </p:extLst>
+  </p:cSld>
+  <p:clrMapOvr>
+    <a:masterClrMapping/>
+  </p:clrMapOvr>
+</p:sld>
+</file>
+
+<file path=ppt/slides/slide17.xml><?xml version="1.0" encoding="utf-8"?>
+<p:sld xmlns:a="http://schemas.openxmlformats.org/drawingml/2006/main" xmlns:r="http://schemas.openxmlformats.org/officeDocument/2006/relationships" xmlns:p="http://schemas.openxmlformats.org/presentationml/2006/main">
+  <p:cSld>
+    <p:spTree>
+      <p:nvGrpSpPr>
+        <p:cNvPr id="1" name=""/>
+        <p:cNvGrpSpPr/>
+        <p:nvPr/>
+      </p:nvGrpSpPr>
+      <p:grpSpPr>
+        <a:xfrm>
+          <a:off x="0" y="0"/>
+          <a:ext cx="0" cy="0"/>
+          <a:chOff x="0" y="0"/>
+          <a:chExt cx="0" cy="0"/>
+        </a:xfrm>
+      </p:grpSpPr>
+      <p:sp>
+        <p:nvSpPr>
+          <p:cNvPr id="2" name="Title 1">
+            <a:extLst>
+              <a:ext uri="{FF2B5EF4-FFF2-40B4-BE49-F238E27FC236}">
+                <a16:creationId xmlns:a16="http://schemas.microsoft.com/office/drawing/2014/main" id="{5843CB88-8D67-0BE1-38D9-76F6BEFDA400}"/>
+              </a:ext>
+            </a:extLst>
+          </p:cNvPr>
+          <p:cNvSpPr>
+            <a:spLocks noGrp="1"/>
+          </p:cNvSpPr>
+          <p:nvPr>
+            <p:ph type="title"/>
+          </p:nvPr>
+        </p:nvSpPr>
+        <p:spPr/>
+        <p:txBody>
+          <a:bodyPr/>
+          <a:lstStyle/>
+          <a:p>
+            <a:r>
+              <a:rPr lang="en-CA"/>
+              <a:t>Summary</a:t>
+            </a:r>
+            <a:endParaRPr lang="en-CA" dirty="0"/>
+          </a:p>
+        </p:txBody>
+      </p:sp>
+      <p:sp>
+        <p:nvSpPr>
+          <p:cNvPr id="3" name="Content Placeholder 2">
+            <a:extLst>
+              <a:ext uri="{FF2B5EF4-FFF2-40B4-BE49-F238E27FC236}">
+                <a16:creationId xmlns:a16="http://schemas.microsoft.com/office/drawing/2014/main" id="{29D0438E-EC23-FFAB-ED8F-E7DAB2CF740B}"/>
+              </a:ext>
+            </a:extLst>
+          </p:cNvPr>
+          <p:cNvSpPr>
+            <a:spLocks noGrp="1"/>
+          </p:cNvSpPr>
+          <p:nvPr>
+            <p:ph idx="1"/>
+          </p:nvPr>
+        </p:nvSpPr>
+        <p:spPr/>
+        <p:txBody>
+          <a:bodyPr/>
+          <a:lstStyle/>
+          <a:p>
+            <a:endParaRPr lang="en-CA"/>
+          </a:p>
+        </p:txBody>
+      </p:sp>
+      <p:pic>
+        <p:nvPicPr>
+          <p:cNvPr id="6" name="Picture 5" descr="A picture containing cup, gambling house, tableware, coffee cup&#10;&#10;Description automatically generated">
+            <a:extLst>
+              <a:ext uri="{FF2B5EF4-FFF2-40B4-BE49-F238E27FC236}">
+                <a16:creationId xmlns:a16="http://schemas.microsoft.com/office/drawing/2014/main" id="{5E6D3C85-2BED-80D3-F5B8-E48E08DDAFEC}"/>
+              </a:ext>
+            </a:extLst>
+          </p:cNvPr>
+          <p:cNvPicPr>
+            <a:picLocks noChangeAspect="1"/>
+          </p:cNvPicPr>
+          <p:nvPr/>
+        </p:nvPicPr>
+        <p:blipFill>
+          <a:blip r:embed="rId2">
+            <a:extLst>
+              <a:ext uri="{28A0092B-C50C-407E-A947-70E740481C1C}">
+                <a14:useLocalDpi xmlns:a14="http://schemas.microsoft.com/office/drawing/2010/main" val="0"/>
+              </a:ext>
+            </a:extLst>
+          </a:blip>
+          <a:stretch>
+            <a:fillRect/>
+          </a:stretch>
+        </p:blipFill>
+        <p:spPr>
+          <a:xfrm>
+            <a:off x="10426396" y="427418"/>
+            <a:ext cx="705096" cy="705096"/>
+          </a:xfrm>
+          <a:prstGeom prst="rect">
+            <a:avLst/>
+          </a:prstGeom>
+        </p:spPr>
+      </p:pic>
+    </p:spTree>
+    <p:extLst>
+      <p:ext uri="{BB962C8B-B14F-4D97-AF65-F5344CB8AC3E}">
+        <p14:creationId xmlns:p14="http://schemas.microsoft.com/office/powerpoint/2010/main" val="2959759493"/>
+      </p:ext>
+    </p:extLst>
+  </p:cSld>
+  <p:clrMapOvr>
+    <a:masterClrMapping/>
+  </p:clrMapOvr>
+</p:sld>
+</file>
+
 <file path=ppt/slides/slide2.xml><?xml version="1.0" encoding="utf-8"?>
 <p:sld xmlns:a="http://schemas.openxmlformats.org/drawingml/2006/main" xmlns:r="http://schemas.openxmlformats.org/officeDocument/2006/relationships" xmlns:p="http://schemas.openxmlformats.org/presentationml/2006/main">
   <p:cSld>
@@ -6354,6 +7203,16 @@
           <a:prstGeom prst="rect">
             <a:avLst/>
           </a:prstGeom>
+          <a:ln>
+            <a:noFill/>
+          </a:ln>
+          <a:effectLst>
+            <a:outerShdw blurRad="292100" dist="139700" dir="2700000" algn="tl" rotWithShape="0">
+              <a:srgbClr val="333333">
+                <a:alpha val="65000"/>
+              </a:srgbClr>
+            </a:outerShdw>
+          </a:effectLst>
         </p:spPr>
       </p:pic>
       <p:pic>
@@ -6477,31 +7336,19 @@
           <a:lstStyle/>
           <a:p>
             <a:r>
-              <a:rPr lang="en-CA" dirty="0">
-                <a:solidFill>
-                  <a:schemeClr val="bg1"/>
-                </a:solidFill>
-              </a:rPr>
+              <a:rPr lang="en-CA" dirty="0"/>
               <a:t>Weekly schedule updated every Monday</a:t>
             </a:r>
           </a:p>
           <a:p>
             <a:r>
-              <a:rPr lang="en-CA" dirty="0">
-                <a:solidFill>
-                  <a:schemeClr val="bg1"/>
-                </a:solidFill>
-              </a:rPr>
+              <a:rPr lang="en-CA" dirty="0"/>
               <a:t>Shows which two movies are playing each night on both of our screens</a:t>
             </a:r>
           </a:p>
           <a:p>
             <a:r>
-              <a:rPr lang="en-CA" dirty="0">
-                <a:solidFill>
-                  <a:schemeClr val="bg1"/>
-                </a:solidFill>
-              </a:rPr>
+              <a:rPr lang="en-CA" dirty="0"/>
               <a:t>You can click on “Details” for more information.</a:t>
             </a:r>
           </a:p>
@@ -6671,31 +7518,19 @@
           <a:lstStyle/>
           <a:p>
             <a:r>
-              <a:rPr lang="en-CA" dirty="0">
-                <a:solidFill>
-                  <a:schemeClr val="bg1"/>
-                </a:solidFill>
-              </a:rPr>
+              <a:rPr lang="en-CA" dirty="0"/>
               <a:t>Here you can see a description of the movie and the official movie poster as well as all of our scheduled screenings of it this week.</a:t>
             </a:r>
           </a:p>
           <a:p>
             <a:r>
-              <a:rPr lang="en-CA" dirty="0">
-                <a:solidFill>
-                  <a:schemeClr val="bg1"/>
-                </a:solidFill>
-              </a:rPr>
+              <a:rPr lang="en-CA" dirty="0"/>
               <a:t>You can click to book any of those screening.</a:t>
             </a:r>
           </a:p>
           <a:p>
             <a:r>
-              <a:rPr lang="en-CA" dirty="0">
-                <a:solidFill>
-                  <a:schemeClr val="bg1"/>
-                </a:solidFill>
-              </a:rPr>
+              <a:rPr lang="en-CA" dirty="0"/>
               <a:t>You can also click to see a trailer or to see or leave a review.</a:t>
             </a:r>
           </a:p>
@@ -6831,7 +7666,10 @@
           <a:bodyPr/>
           <a:lstStyle/>
           <a:p>
-            <a:endParaRPr lang="en-CA" dirty="0"/>
+            <a:r>
+              <a:rPr lang="en-CA" dirty="0"/>
+              <a:t>Reviews</a:t>
+            </a:r>
           </a:p>
         </p:txBody>
       </p:sp>
@@ -6851,12 +7689,26 @@
             <p:ph idx="1"/>
           </p:nvPr>
         </p:nvSpPr>
-        <p:spPr/>
-        <p:txBody>
-          <a:bodyPr/>
-          <a:lstStyle/>
-          <a:p>
-            <a:endParaRPr lang="en-CA"/>
+        <p:spPr>
+          <a:xfrm>
+            <a:off x="1103313" y="2541181"/>
+            <a:ext cx="4489414" cy="3707218"/>
+          </a:xfrm>
+        </p:spPr>
+        <p:txBody>
+          <a:bodyPr/>
+          <a:lstStyle/>
+          <a:p>
+            <a:r>
+              <a:rPr lang="en-CA" dirty="0"/>
+              <a:t>Here you can select a star rating from 0-5 for movies you have seen as well as leave a review about them. </a:t>
+            </a:r>
+          </a:p>
+          <a:p>
+            <a:r>
+              <a:rPr lang="en-CA" dirty="0"/>
+              <a:t>The website will aggregate all of the ratings and display the average submitted rating for movies on our website.</a:t>
+            </a:r>
           </a:p>
         </p:txBody>
       </p:sp>
@@ -6894,6 +7746,46 @@
           <a:prstGeom prst="rect">
             <a:avLst/>
           </a:prstGeom>
+        </p:spPr>
+      </p:pic>
+      <p:pic>
+        <p:nvPicPr>
+          <p:cNvPr id="5" name="Picture 4">
+            <a:extLst>
+              <a:ext uri="{FF2B5EF4-FFF2-40B4-BE49-F238E27FC236}">
+                <a16:creationId xmlns:a16="http://schemas.microsoft.com/office/drawing/2014/main" id="{FDA45F7A-5296-0F6D-39A0-0CFF7579D5F0}"/>
+              </a:ext>
+            </a:extLst>
+          </p:cNvPr>
+          <p:cNvPicPr>
+            <a:picLocks noChangeAspect="1"/>
+          </p:cNvPicPr>
+          <p:nvPr/>
+        </p:nvPicPr>
+        <p:blipFill>
+          <a:blip r:embed="rId3"/>
+          <a:stretch>
+            <a:fillRect/>
+          </a:stretch>
+        </p:blipFill>
+        <p:spPr>
+          <a:xfrm>
+            <a:off x="6096000" y="1686994"/>
+            <a:ext cx="5808223" cy="4561405"/>
+          </a:xfrm>
+          <a:prstGeom prst="rect">
+            <a:avLst/>
+          </a:prstGeom>
+          <a:ln>
+            <a:noFill/>
+          </a:ln>
+          <a:effectLst>
+            <a:outerShdw blurRad="292100" dist="139700" dir="2700000" algn="tl" rotWithShape="0">
+              <a:srgbClr val="333333">
+                <a:alpha val="65000"/>
+              </a:srgbClr>
+            </a:outerShdw>
+          </a:effectLst>
         </p:spPr>
       </p:pic>
     </p:spTree>
@@ -6947,7 +7839,10 @@
           <a:bodyPr/>
           <a:lstStyle/>
           <a:p>
-            <a:endParaRPr lang="en-CA" dirty="0"/>
+            <a:r>
+              <a:rPr lang="en-CA" dirty="0"/>
+              <a:t>Stripe Payment</a:t>
+            </a:r>
           </a:p>
         </p:txBody>
       </p:sp>
@@ -6967,12 +7862,26 @@
             <p:ph idx="1"/>
           </p:nvPr>
         </p:nvSpPr>
-        <p:spPr/>
-        <p:txBody>
-          <a:bodyPr/>
-          <a:lstStyle/>
-          <a:p>
-            <a:endParaRPr lang="en-CA"/>
+        <p:spPr>
+          <a:xfrm>
+            <a:off x="1103313" y="2052918"/>
+            <a:ext cx="4992688" cy="4195481"/>
+          </a:xfrm>
+        </p:spPr>
+        <p:txBody>
+          <a:bodyPr/>
+          <a:lstStyle/>
+          <a:p>
+            <a:r>
+              <a:rPr lang="en-CA" dirty="0"/>
+              <a:t>You can pay for your ticket online to skip the line with Stripe.</a:t>
+            </a:r>
+          </a:p>
+          <a:p>
+            <a:r>
+              <a:rPr lang="en-CA" dirty="0"/>
+              <a:t>When you order with Stripe, a confirmation email will be sent to you with relevant order details.</a:t>
+            </a:r>
           </a:p>
         </p:txBody>
       </p:sp>
@@ -7010,6 +7919,86 @@
           <a:prstGeom prst="rect">
             <a:avLst/>
           </a:prstGeom>
+        </p:spPr>
+      </p:pic>
+      <p:pic>
+        <p:nvPicPr>
+          <p:cNvPr id="5" name="Picture 4">
+            <a:extLst>
+              <a:ext uri="{FF2B5EF4-FFF2-40B4-BE49-F238E27FC236}">
+                <a16:creationId xmlns:a16="http://schemas.microsoft.com/office/drawing/2014/main" id="{BCD31F0D-7407-49A6-0583-379F1F22D8EB}"/>
+              </a:ext>
+            </a:extLst>
+          </p:cNvPr>
+          <p:cNvPicPr>
+            <a:picLocks noChangeAspect="1"/>
+          </p:cNvPicPr>
+          <p:nvPr/>
+        </p:nvPicPr>
+        <p:blipFill>
+          <a:blip r:embed="rId3"/>
+          <a:stretch>
+            <a:fillRect/>
+          </a:stretch>
+        </p:blipFill>
+        <p:spPr>
+          <a:xfrm>
+            <a:off x="1441938" y="3962482"/>
+            <a:ext cx="3882995" cy="2485587"/>
+          </a:xfrm>
+          <a:prstGeom prst="rect">
+            <a:avLst/>
+          </a:prstGeom>
+          <a:ln>
+            <a:noFill/>
+          </a:ln>
+          <a:effectLst>
+            <a:outerShdw blurRad="292100" dist="139700" dir="2700000" algn="tl" rotWithShape="0">
+              <a:srgbClr val="333333">
+                <a:alpha val="65000"/>
+              </a:srgbClr>
+            </a:outerShdw>
+          </a:effectLst>
+        </p:spPr>
+      </p:pic>
+      <p:pic>
+        <p:nvPicPr>
+          <p:cNvPr id="8" name="Picture 7">
+            <a:extLst>
+              <a:ext uri="{FF2B5EF4-FFF2-40B4-BE49-F238E27FC236}">
+                <a16:creationId xmlns:a16="http://schemas.microsoft.com/office/drawing/2014/main" id="{F425CECB-6252-E066-EFE4-E181670BBD68}"/>
+              </a:ext>
+            </a:extLst>
+          </p:cNvPr>
+          <p:cNvPicPr>
+            <a:picLocks noChangeAspect="1"/>
+          </p:cNvPicPr>
+          <p:nvPr/>
+        </p:nvPicPr>
+        <p:blipFill>
+          <a:blip r:embed="rId4"/>
+          <a:stretch>
+            <a:fillRect/>
+          </a:stretch>
+        </p:blipFill>
+        <p:spPr>
+          <a:xfrm>
+            <a:off x="7173271" y="1453181"/>
+            <a:ext cx="3882995" cy="4952101"/>
+          </a:xfrm>
+          <a:prstGeom prst="rect">
+            <a:avLst/>
+          </a:prstGeom>
+          <a:ln>
+            <a:noFill/>
+          </a:ln>
+          <a:effectLst>
+            <a:outerShdw blurRad="292100" dist="139700" dir="2700000" algn="tl" rotWithShape="0">
+              <a:srgbClr val="333333">
+                <a:alpha val="65000"/>
+              </a:srgbClr>
+            </a:outerShdw>
+          </a:effectLst>
         </p:spPr>
       </p:pic>
     </p:spTree>
@@ -7063,7 +8052,10 @@
           <a:bodyPr/>
           <a:lstStyle/>
           <a:p>
-            <a:endParaRPr lang="en-CA" dirty="0"/>
+            <a:r>
+              <a:rPr lang="en-CA" dirty="0"/>
+              <a:t>Admin Dashboard</a:t>
+            </a:r>
           </a:p>
         </p:txBody>
       </p:sp>
@@ -7083,12 +8075,32 @@
             <p:ph idx="1"/>
           </p:nvPr>
         </p:nvSpPr>
-        <p:spPr/>
-        <p:txBody>
-          <a:bodyPr/>
-          <a:lstStyle/>
-          <a:p>
-            <a:endParaRPr lang="en-CA"/>
+        <p:spPr>
+          <a:xfrm>
+            <a:off x="724487" y="2628149"/>
+            <a:ext cx="6968089" cy="3294184"/>
+          </a:xfrm>
+        </p:spPr>
+        <p:txBody>
+          <a:bodyPr/>
+          <a:lstStyle/>
+          <a:p>
+            <a:r>
+              <a:rPr lang="en-CA" dirty="0"/>
+              <a:t>CRUD with tables for Movies, Screenings, and Users.</a:t>
+            </a:r>
+          </a:p>
+          <a:p>
+            <a:r>
+              <a:rPr lang="en-CA" dirty="0"/>
+              <a:t>Charts with average ratings from this week.</a:t>
+            </a:r>
+          </a:p>
+          <a:p>
+            <a:r>
+              <a:rPr lang="en-CA" dirty="0"/>
+              <a:t>Blob Storage in Azure</a:t>
+            </a:r>
           </a:p>
         </p:txBody>
       </p:sp>
@@ -7122,6 +8134,96 @@
           <a:xfrm>
             <a:off x="10426396" y="427418"/>
             <a:ext cx="705096" cy="705096"/>
+          </a:xfrm>
+          <a:prstGeom prst="rect">
+            <a:avLst/>
+          </a:prstGeom>
+        </p:spPr>
+      </p:pic>
+      <p:pic>
+        <p:nvPicPr>
+          <p:cNvPr id="5" name="Picture 4">
+            <a:extLst>
+              <a:ext uri="{FF2B5EF4-FFF2-40B4-BE49-F238E27FC236}">
+                <a16:creationId xmlns:a16="http://schemas.microsoft.com/office/drawing/2014/main" id="{58602202-A892-2C77-6D80-D78CE1D8D985}"/>
+              </a:ext>
+            </a:extLst>
+          </p:cNvPr>
+          <p:cNvPicPr>
+            <a:picLocks noChangeAspect="1"/>
+          </p:cNvPicPr>
+          <p:nvPr/>
+        </p:nvPicPr>
+        <p:blipFill>
+          <a:blip r:embed="rId3"/>
+          <a:stretch>
+            <a:fillRect/>
+          </a:stretch>
+        </p:blipFill>
+        <p:spPr>
+          <a:xfrm>
+            <a:off x="724487" y="1111246"/>
+            <a:ext cx="7747612" cy="1471514"/>
+          </a:xfrm>
+          <a:prstGeom prst="rect">
+            <a:avLst/>
+          </a:prstGeom>
+        </p:spPr>
+      </p:pic>
+      <p:pic>
+        <p:nvPicPr>
+          <p:cNvPr id="8" name="Picture 7">
+            <a:extLst>
+              <a:ext uri="{FF2B5EF4-FFF2-40B4-BE49-F238E27FC236}">
+                <a16:creationId xmlns:a16="http://schemas.microsoft.com/office/drawing/2014/main" id="{B720EE6E-2BC7-2179-BA48-5CCA19A02E28}"/>
+              </a:ext>
+            </a:extLst>
+          </p:cNvPr>
+          <p:cNvPicPr>
+            <a:picLocks noChangeAspect="1"/>
+          </p:cNvPicPr>
+          <p:nvPr/>
+        </p:nvPicPr>
+        <p:blipFill>
+          <a:blip r:embed="rId4"/>
+          <a:stretch>
+            <a:fillRect/>
+          </a:stretch>
+        </p:blipFill>
+        <p:spPr>
+          <a:xfrm>
+            <a:off x="1799934" y="3980344"/>
+            <a:ext cx="5596718" cy="2715004"/>
+          </a:xfrm>
+          <a:prstGeom prst="rect">
+            <a:avLst/>
+          </a:prstGeom>
+        </p:spPr>
+      </p:pic>
+      <p:pic>
+        <p:nvPicPr>
+          <p:cNvPr id="10" name="Picture 9">
+            <a:extLst>
+              <a:ext uri="{FF2B5EF4-FFF2-40B4-BE49-F238E27FC236}">
+                <a16:creationId xmlns:a16="http://schemas.microsoft.com/office/drawing/2014/main" id="{93F1206B-1313-AC85-D78A-016DFD4CE7BA}"/>
+              </a:ext>
+            </a:extLst>
+          </p:cNvPr>
+          <p:cNvPicPr>
+            <a:picLocks noChangeAspect="1"/>
+          </p:cNvPicPr>
+          <p:nvPr/>
+        </p:nvPicPr>
+        <p:blipFill>
+          <a:blip r:embed="rId5"/>
+          <a:stretch>
+            <a:fillRect/>
+          </a:stretch>
+        </p:blipFill>
+        <p:spPr>
+          <a:xfrm>
+            <a:off x="8917594" y="1522314"/>
+            <a:ext cx="2549919" cy="4916060"/>
           </a:xfrm>
           <a:prstGeom prst="rect">
             <a:avLst/>
@@ -7179,7 +8281,10 @@
           <a:bodyPr/>
           <a:lstStyle/>
           <a:p>
-            <a:endParaRPr lang="en-CA" dirty="0"/>
+            <a:r>
+              <a:rPr lang="en-CA" dirty="0"/>
+              <a:t>Challenges and Solutions 1</a:t>
+            </a:r>
           </a:p>
         </p:txBody>
       </p:sp>
@@ -7295,7 +8400,10 @@
           <a:bodyPr/>
           <a:lstStyle/>
           <a:p>
-            <a:endParaRPr lang="en-CA" dirty="0"/>
+            <a:r>
+              <a:rPr lang="en-CA" dirty="0"/>
+              <a:t>Challenges and Solutions 2</a:t>
+            </a:r>
           </a:p>
         </p:txBody>
       </p:sp>

--- a/Files/MoonriseMoviesPresentation.pptx
+++ b/Files/MoonriseMoviesPresentation.pptx
@@ -7013,10 +7013,9 @@
           <a:lstStyle/>
           <a:p>
             <a:r>
-              <a:rPr lang="en-CA"/>
+              <a:rPr lang="en-CA" dirty="0"/>
               <a:t>Summary</a:t>
             </a:r>
-            <a:endParaRPr lang="en-CA" dirty="0"/>
           </a:p>
         </p:txBody>
       </p:sp>

--- a/Files/MoonriseMoviesPresentation.pptx
+++ b/Files/MoonriseMoviesPresentation.pptx
@@ -13,13 +13,13 @@
     <p:sldId id="261" r:id="rId7"/>
     <p:sldId id="262" r:id="rId8"/>
     <p:sldId id="263" r:id="rId9"/>
-    <p:sldId id="264" r:id="rId10"/>
-    <p:sldId id="265" r:id="rId11"/>
-    <p:sldId id="266" r:id="rId12"/>
-    <p:sldId id="267" r:id="rId13"/>
-    <p:sldId id="268" r:id="rId14"/>
-    <p:sldId id="269" r:id="rId15"/>
-    <p:sldId id="270" r:id="rId16"/>
+    <p:sldId id="273" r:id="rId10"/>
+    <p:sldId id="264" r:id="rId11"/>
+    <p:sldId id="265" r:id="rId12"/>
+    <p:sldId id="274" r:id="rId13"/>
+    <p:sldId id="266" r:id="rId14"/>
+    <p:sldId id="268" r:id="rId15"/>
+    <p:sldId id="267" r:id="rId16"/>
     <p:sldId id="271" r:id="rId17"/>
     <p:sldId id="272" r:id="rId18"/>
   </p:sldIdLst>
@@ -6079,15 +6079,17 @@
           <a:lstStyle/>
           <a:p>
             <a:r>
-              <a:rPr lang="en-CA"/>
+              <a:rPr lang="en-CA" dirty="0"/>
               <a:t>Drive-In movie theatre </a:t>
             </a:r>
           </a:p>
           <a:p>
             <a:r>
-              <a:rPr lang="en-CA"/>
+              <a:rPr lang="en-CA" dirty="0"/>
               <a:t>By Vladislav Epelboym, Matthew Rao, and Mitchell Fridman</a:t>
             </a:r>
+          </a:p>
+          <a:p>
             <a:endParaRPr lang="en-CA" dirty="0"/>
           </a:p>
         </p:txBody>
@@ -6128,6 +6130,41 @@
           </a:prstGeom>
         </p:spPr>
       </p:pic>
+      <p:sp>
+        <p:nvSpPr>
+          <p:cNvPr id="4" name="TextBox 3">
+            <a:extLst>
+              <a:ext uri="{FF2B5EF4-FFF2-40B4-BE49-F238E27FC236}">
+                <a16:creationId xmlns:a16="http://schemas.microsoft.com/office/drawing/2014/main" id="{BC92DC9B-8A52-3A9A-5C64-B7C0A00EEFEA}"/>
+              </a:ext>
+            </a:extLst>
+          </p:cNvPr>
+          <p:cNvSpPr txBox="1"/>
+          <p:nvPr/>
+        </p:nvSpPr>
+        <p:spPr>
+          <a:xfrm>
+            <a:off x="1154955" y="5741581"/>
+            <a:ext cx="6021200" cy="400110"/>
+          </a:xfrm>
+          <a:prstGeom prst="rect">
+            <a:avLst/>
+          </a:prstGeom>
+          <a:noFill/>
+        </p:spPr>
+        <p:txBody>
+          <a:bodyPr wrap="none" rtlCol="0">
+            <a:spAutoFit/>
+          </a:bodyPr>
+          <a:lstStyle/>
+          <a:p>
+            <a:r>
+              <a:rPr lang="en-CA" sz="2000" dirty="0"/>
+              <a:t>HTTPS://MOONRISEMOVIES.AZUREWEBSITES.NET/</a:t>
+            </a:r>
+          </a:p>
+        </p:txBody>
+      </p:sp>
     </p:spTree>
     <p:extLst>
       <p:ext uri="{BB962C8B-B14F-4D97-AF65-F5344CB8AC3E}">
@@ -6181,7 +6218,7 @@
           <a:p>
             <a:r>
               <a:rPr lang="en-CA" dirty="0"/>
-              <a:t>Challenges and Solutions 3</a:t>
+              <a:t>Technologies Used</a:t>
             </a:r>
           </a:p>
         </p:txBody>
@@ -6202,12 +6239,70 @@
             <p:ph idx="1"/>
           </p:nvPr>
         </p:nvSpPr>
-        <p:spPr/>
-        <p:txBody>
-          <a:bodyPr/>
+        <p:spPr>
+          <a:xfrm>
+            <a:off x="4021414" y="2089715"/>
+            <a:ext cx="4149172" cy="4098434"/>
+          </a:xfrm>
+        </p:spPr>
+        <p:txBody>
+          <a:bodyPr>
+            <a:normAutofit lnSpcReduction="10000"/>
+          </a:bodyPr>
           <a:lstStyle/>
           <a:p>
-            <a:endParaRPr lang="en-CA"/>
+            <a:r>
+              <a:rPr lang="en-CA" dirty="0"/>
+              <a:t>ASP.NET Core</a:t>
+            </a:r>
+          </a:p>
+          <a:p>
+            <a:r>
+              <a:rPr lang="en-CA" dirty="0"/>
+              <a:t>ASP.NET Identity</a:t>
+            </a:r>
+          </a:p>
+          <a:p>
+            <a:r>
+              <a:rPr lang="en-CA" dirty="0"/>
+              <a:t>Entity Framework</a:t>
+            </a:r>
+          </a:p>
+          <a:p>
+            <a:r>
+              <a:rPr lang="en-CA" dirty="0"/>
+              <a:t>Google Charts API</a:t>
+            </a:r>
+          </a:p>
+          <a:p>
+            <a:r>
+              <a:rPr lang="en-CA" dirty="0"/>
+              <a:t>Stripe - No code approach</a:t>
+            </a:r>
+          </a:p>
+          <a:p>
+            <a:r>
+              <a:rPr lang="en-CA" dirty="0"/>
+              <a:t>Microsoft SQL Server</a:t>
+            </a:r>
+          </a:p>
+          <a:p>
+            <a:r>
+              <a:rPr lang="en-CA" dirty="0"/>
+              <a:t>Azure Storage Blobs</a:t>
+            </a:r>
+          </a:p>
+          <a:p>
+            <a:r>
+              <a:rPr lang="en-CA" dirty="0"/>
+              <a:t>Azure Application</a:t>
+            </a:r>
+          </a:p>
+          <a:p>
+            <a:r>
+              <a:rPr lang="en-CA" dirty="0"/>
+              <a:t>Microsoft Azure Storage Explorer</a:t>
+            </a:r>
           </a:p>
         </p:txBody>
       </p:sp>
@@ -6250,7 +6345,7 @@
     </p:spTree>
     <p:extLst>
       <p:ext uri="{BB962C8B-B14F-4D97-AF65-F5344CB8AC3E}">
-        <p14:creationId xmlns:p14="http://schemas.microsoft.com/office/powerpoint/2010/main" val="3191568139"/>
+        <p14:creationId xmlns:p14="http://schemas.microsoft.com/office/powerpoint/2010/main" val="2730552534"/>
       </p:ext>
     </p:extLst>
   </p:cSld>
@@ -6300,25 +6395,150 @@
           <a:p>
             <a:r>
               <a:rPr lang="en-CA" dirty="0"/>
-              <a:t>Challenges and Solutions 4</a:t>
-            </a:r>
-          </a:p>
-        </p:txBody>
-      </p:sp>
-      <p:sp>
-        <p:nvSpPr>
-          <p:cNvPr id="3" name="Content Placeholder 2">
+              <a:t>Auto-Emailing our Clients</a:t>
+            </a:r>
+          </a:p>
+        </p:txBody>
+      </p:sp>
+      <p:pic>
+        <p:nvPicPr>
+          <p:cNvPr id="5" name="Content Placeholder 4">
             <a:extLst>
               <a:ext uri="{FF2B5EF4-FFF2-40B4-BE49-F238E27FC236}">
-                <a16:creationId xmlns:a16="http://schemas.microsoft.com/office/drawing/2014/main" id="{29D0438E-EC23-FFAB-ED8F-E7DAB2CF740B}"/>
+                <a16:creationId xmlns:a16="http://schemas.microsoft.com/office/drawing/2014/main" id="{E1B57350-D573-3D08-915D-6C2D20A5D20A}"/>
               </a:ext>
             </a:extLst>
           </p:cNvPr>
-          <p:cNvSpPr>
-            <a:spLocks noGrp="1"/>
-          </p:cNvSpPr>
+          <p:cNvPicPr>
+            <a:picLocks noGrp="1" noChangeAspect="1"/>
+          </p:cNvPicPr>
           <p:nvPr>
             <p:ph idx="1"/>
+          </p:nvPr>
+        </p:nvPicPr>
+        <p:blipFill>
+          <a:blip r:embed="rId2"/>
+          <a:stretch>
+            <a:fillRect/>
+          </a:stretch>
+        </p:blipFill>
+        <p:spPr>
+          <a:xfrm>
+            <a:off x="134033" y="1313166"/>
+            <a:ext cx="6736388" cy="5074163"/>
+          </a:xfrm>
+        </p:spPr>
+      </p:pic>
+      <p:pic>
+        <p:nvPicPr>
+          <p:cNvPr id="6" name="Picture 5" descr="A picture containing cup, gambling house, tableware, coffee cup&#10;&#10;Description automatically generated">
+            <a:extLst>
+              <a:ext uri="{FF2B5EF4-FFF2-40B4-BE49-F238E27FC236}">
+                <a16:creationId xmlns:a16="http://schemas.microsoft.com/office/drawing/2014/main" id="{5E6D3C85-2BED-80D3-F5B8-E48E08DDAFEC}"/>
+              </a:ext>
+            </a:extLst>
+          </p:cNvPr>
+          <p:cNvPicPr>
+            <a:picLocks noChangeAspect="1"/>
+          </p:cNvPicPr>
+          <p:nvPr/>
+        </p:nvPicPr>
+        <p:blipFill>
+          <a:blip r:embed="rId3">
+            <a:extLst>
+              <a:ext uri="{28A0092B-C50C-407E-A947-70E740481C1C}">
+                <a14:useLocalDpi xmlns:a14="http://schemas.microsoft.com/office/drawing/2010/main" val="0"/>
+              </a:ext>
+            </a:extLst>
+          </a:blip>
+          <a:stretch>
+            <a:fillRect/>
+          </a:stretch>
+        </p:blipFill>
+        <p:spPr>
+          <a:xfrm>
+            <a:off x="10426396" y="427418"/>
+            <a:ext cx="705096" cy="705096"/>
+          </a:xfrm>
+          <a:prstGeom prst="rect">
+            <a:avLst/>
+          </a:prstGeom>
+        </p:spPr>
+      </p:pic>
+      <p:pic>
+        <p:nvPicPr>
+          <p:cNvPr id="10" name="Picture 9">
+            <a:extLst>
+              <a:ext uri="{FF2B5EF4-FFF2-40B4-BE49-F238E27FC236}">
+                <a16:creationId xmlns:a16="http://schemas.microsoft.com/office/drawing/2014/main" id="{F66D36CC-A62C-9FB4-A4F9-AD53BC4E1AA3}"/>
+              </a:ext>
+            </a:extLst>
+          </p:cNvPr>
+          <p:cNvPicPr>
+            <a:picLocks noChangeAspect="1"/>
+          </p:cNvPicPr>
+          <p:nvPr/>
+        </p:nvPicPr>
+        <p:blipFill>
+          <a:blip r:embed="rId4"/>
+          <a:stretch>
+            <a:fillRect/>
+          </a:stretch>
+        </p:blipFill>
+        <p:spPr>
+          <a:xfrm>
+            <a:off x="6189748" y="2130093"/>
+            <a:ext cx="5868219" cy="3019846"/>
+          </a:xfrm>
+          <a:prstGeom prst="rect">
+            <a:avLst/>
+          </a:prstGeom>
+        </p:spPr>
+      </p:pic>
+    </p:spTree>
+    <p:extLst>
+      <p:ext uri="{BB962C8B-B14F-4D97-AF65-F5344CB8AC3E}">
+        <p14:creationId xmlns:p14="http://schemas.microsoft.com/office/powerpoint/2010/main" val="3191568139"/>
+      </p:ext>
+    </p:extLst>
+  </p:cSld>
+  <p:clrMapOvr>
+    <a:masterClrMapping/>
+  </p:clrMapOvr>
+</p:sld>
+</file>
+
+<file path=ppt/slides/slide12.xml><?xml version="1.0" encoding="utf-8"?>
+<p:sld xmlns:a="http://schemas.openxmlformats.org/drawingml/2006/main" xmlns:r="http://schemas.openxmlformats.org/officeDocument/2006/relationships" xmlns:p="http://schemas.openxmlformats.org/presentationml/2006/main">
+  <p:cSld>
+    <p:spTree>
+      <p:nvGrpSpPr>
+        <p:cNvPr id="1" name=""/>
+        <p:cNvGrpSpPr/>
+        <p:nvPr/>
+      </p:nvGrpSpPr>
+      <p:grpSpPr>
+        <a:xfrm>
+          <a:off x="0" y="0"/>
+          <a:ext cx="0" cy="0"/>
+          <a:chOff x="0" y="0"/>
+          <a:chExt cx="0" cy="0"/>
+        </a:xfrm>
+      </p:grpSpPr>
+      <p:sp>
+        <p:nvSpPr>
+          <p:cNvPr id="2" name="Title 1">
+            <a:extLst>
+              <a:ext uri="{FF2B5EF4-FFF2-40B4-BE49-F238E27FC236}">
+                <a16:creationId xmlns:a16="http://schemas.microsoft.com/office/drawing/2014/main" id="{5843CB88-8D67-0BE1-38D9-76F6BEFDA400}"/>
+              </a:ext>
+            </a:extLst>
+          </p:cNvPr>
+          <p:cNvSpPr>
+            <a:spLocks noGrp="1"/>
+          </p:cNvSpPr>
+          <p:nvPr>
+            <p:ph type="title"/>
           </p:nvPr>
         </p:nvSpPr>
         <p:spPr/>
@@ -6326,7 +6546,10 @@
           <a:bodyPr/>
           <a:lstStyle/>
           <a:p>
-            <a:endParaRPr lang="en-CA"/>
+            <a:r>
+              <a:rPr lang="en-CA" dirty="0"/>
+              <a:t>Microsoft Azure Storage Explorer</a:t>
+            </a:r>
           </a:p>
         </p:txBody>
       </p:sp>
@@ -6366,10 +6589,40 @@
           </a:prstGeom>
         </p:spPr>
       </p:pic>
+      <p:pic>
+        <p:nvPicPr>
+          <p:cNvPr id="8" name="Picture 7">
+            <a:extLst>
+              <a:ext uri="{FF2B5EF4-FFF2-40B4-BE49-F238E27FC236}">
+                <a16:creationId xmlns:a16="http://schemas.microsoft.com/office/drawing/2014/main" id="{495BD053-789B-F0EA-3A8A-EA68E11E5B58}"/>
+              </a:ext>
+            </a:extLst>
+          </p:cNvPr>
+          <p:cNvPicPr>
+            <a:picLocks noChangeAspect="1"/>
+          </p:cNvPicPr>
+          <p:nvPr/>
+        </p:nvPicPr>
+        <p:blipFill>
+          <a:blip r:embed="rId3"/>
+          <a:stretch>
+            <a:fillRect/>
+          </a:stretch>
+        </p:blipFill>
+        <p:spPr>
+          <a:xfrm>
+            <a:off x="790027" y="1221367"/>
+            <a:ext cx="10217943" cy="5477850"/>
+          </a:xfrm>
+          <a:prstGeom prst="rect">
+            <a:avLst/>
+          </a:prstGeom>
+        </p:spPr>
+      </p:pic>
     </p:spTree>
     <p:extLst>
       <p:ext uri="{BB962C8B-B14F-4D97-AF65-F5344CB8AC3E}">
-        <p14:creationId xmlns:p14="http://schemas.microsoft.com/office/powerpoint/2010/main" val="3413476484"/>
+        <p14:creationId xmlns:p14="http://schemas.microsoft.com/office/powerpoint/2010/main" val="4198280324"/>
       </p:ext>
     </p:extLst>
   </p:cSld>
@@ -6379,7 +6632,7 @@
 </p:sld>
 </file>
 
-<file path=ppt/slides/slide12.xml><?xml version="1.0" encoding="utf-8"?>
+<file path=ppt/slides/slide13.xml><?xml version="1.0" encoding="utf-8"?>
 <p:sld xmlns:a="http://schemas.openxmlformats.org/drawingml/2006/main" xmlns:r="http://schemas.openxmlformats.org/officeDocument/2006/relationships" xmlns:p="http://schemas.openxmlformats.org/presentationml/2006/main">
   <p:cSld>
     <p:spTree>
@@ -6419,33 +6672,8 @@
           <a:p>
             <a:r>
               <a:rPr lang="en-CA" dirty="0"/>
-              <a:t>What we Learned 1</a:t>
-            </a:r>
-          </a:p>
-        </p:txBody>
-      </p:sp>
-      <p:sp>
-        <p:nvSpPr>
-          <p:cNvPr id="3" name="Content Placeholder 2">
-            <a:extLst>
-              <a:ext uri="{FF2B5EF4-FFF2-40B4-BE49-F238E27FC236}">
-                <a16:creationId xmlns:a16="http://schemas.microsoft.com/office/drawing/2014/main" id="{29D0438E-EC23-FFAB-ED8F-E7DAB2CF740B}"/>
-              </a:ext>
-            </a:extLst>
-          </p:cNvPr>
-          <p:cNvSpPr>
-            <a:spLocks noGrp="1"/>
-          </p:cNvSpPr>
-          <p:nvPr>
-            <p:ph idx="1"/>
-          </p:nvPr>
-        </p:nvSpPr>
-        <p:spPr/>
-        <p:txBody>
-          <a:bodyPr/>
-          <a:lstStyle/>
-          <a:p>
-            <a:endParaRPr lang="en-CA"/>
+              <a:t>Azure Blob Storage</a:t>
+            </a:r>
           </a:p>
         </p:txBody>
       </p:sp>
@@ -6485,10 +6713,100 @@
           </a:prstGeom>
         </p:spPr>
       </p:pic>
+      <p:pic>
+        <p:nvPicPr>
+          <p:cNvPr id="5" name="Picture 4">
+            <a:extLst>
+              <a:ext uri="{FF2B5EF4-FFF2-40B4-BE49-F238E27FC236}">
+                <a16:creationId xmlns:a16="http://schemas.microsoft.com/office/drawing/2014/main" id="{A761EB54-CAAE-075A-29B4-F5661F50958B}"/>
+              </a:ext>
+            </a:extLst>
+          </p:cNvPr>
+          <p:cNvPicPr>
+            <a:picLocks noChangeAspect="1"/>
+          </p:cNvPicPr>
+          <p:nvPr/>
+        </p:nvPicPr>
+        <p:blipFill>
+          <a:blip r:embed="rId3"/>
+          <a:stretch>
+            <a:fillRect/>
+          </a:stretch>
+        </p:blipFill>
+        <p:spPr>
+          <a:xfrm>
+            <a:off x="646111" y="1381706"/>
+            <a:ext cx="4334480" cy="2172003"/>
+          </a:xfrm>
+          <a:prstGeom prst="rect">
+            <a:avLst/>
+          </a:prstGeom>
+        </p:spPr>
+      </p:pic>
+      <p:pic>
+        <p:nvPicPr>
+          <p:cNvPr id="8" name="Picture 7">
+            <a:extLst>
+              <a:ext uri="{FF2B5EF4-FFF2-40B4-BE49-F238E27FC236}">
+                <a16:creationId xmlns:a16="http://schemas.microsoft.com/office/drawing/2014/main" id="{470102D1-FC92-2923-96C5-DF76D8FC98CB}"/>
+              </a:ext>
+            </a:extLst>
+          </p:cNvPr>
+          <p:cNvPicPr>
+            <a:picLocks noChangeAspect="1"/>
+          </p:cNvPicPr>
+          <p:nvPr/>
+        </p:nvPicPr>
+        <p:blipFill>
+          <a:blip r:embed="rId4"/>
+          <a:stretch>
+            <a:fillRect/>
+          </a:stretch>
+        </p:blipFill>
+        <p:spPr>
+          <a:xfrm>
+            <a:off x="3947812" y="2842276"/>
+            <a:ext cx="4296375" cy="2162477"/>
+          </a:xfrm>
+          <a:prstGeom prst="rect">
+            <a:avLst/>
+          </a:prstGeom>
+        </p:spPr>
+      </p:pic>
+      <p:pic>
+        <p:nvPicPr>
+          <p:cNvPr id="10" name="Picture 9">
+            <a:extLst>
+              <a:ext uri="{FF2B5EF4-FFF2-40B4-BE49-F238E27FC236}">
+                <a16:creationId xmlns:a16="http://schemas.microsoft.com/office/drawing/2014/main" id="{BEA74B96-CFE6-B759-0243-140B4938AEB8}"/>
+              </a:ext>
+            </a:extLst>
+          </p:cNvPr>
+          <p:cNvPicPr>
+            <a:picLocks noChangeAspect="1"/>
+          </p:cNvPicPr>
+          <p:nvPr/>
+        </p:nvPicPr>
+        <p:blipFill>
+          <a:blip r:embed="rId5"/>
+          <a:stretch>
+            <a:fillRect/>
+          </a:stretch>
+        </p:blipFill>
+        <p:spPr>
+          <a:xfrm>
+            <a:off x="7281190" y="4488321"/>
+            <a:ext cx="4382112" cy="2172003"/>
+          </a:xfrm>
+          <a:prstGeom prst="rect">
+            <a:avLst/>
+          </a:prstGeom>
+        </p:spPr>
+      </p:pic>
     </p:spTree>
     <p:extLst>
       <p:ext uri="{BB962C8B-B14F-4D97-AF65-F5344CB8AC3E}">
-        <p14:creationId xmlns:p14="http://schemas.microsoft.com/office/powerpoint/2010/main" val="4188157836"/>
+        <p14:creationId xmlns:p14="http://schemas.microsoft.com/office/powerpoint/2010/main" val="3413476484"/>
       </p:ext>
     </p:extLst>
   </p:cSld>
@@ -6498,7 +6816,7 @@
 </p:sld>
 </file>
 
-<file path=ppt/slides/slide13.xml><?xml version="1.0" encoding="utf-8"?>
+<file path=ppt/slides/slide14.xml><?xml version="1.0" encoding="utf-8"?>
 <p:sld xmlns:a="http://schemas.openxmlformats.org/drawingml/2006/main" xmlns:r="http://schemas.openxmlformats.org/officeDocument/2006/relationships" xmlns:p="http://schemas.openxmlformats.org/presentationml/2006/main">
   <p:cSld>
     <p:spTree>
@@ -6538,33 +6856,8 @@
           <a:p>
             <a:r>
               <a:rPr lang="en-CA" dirty="0"/>
-              <a:t>What we Learned 2</a:t>
-            </a:r>
-          </a:p>
-        </p:txBody>
-      </p:sp>
-      <p:sp>
-        <p:nvSpPr>
-          <p:cNvPr id="3" name="Content Placeholder 2">
-            <a:extLst>
-              <a:ext uri="{FF2B5EF4-FFF2-40B4-BE49-F238E27FC236}">
-                <a16:creationId xmlns:a16="http://schemas.microsoft.com/office/drawing/2014/main" id="{29D0438E-EC23-FFAB-ED8F-E7DAB2CF740B}"/>
-              </a:ext>
-            </a:extLst>
-          </p:cNvPr>
-          <p:cNvSpPr>
-            <a:spLocks noGrp="1"/>
-          </p:cNvSpPr>
-          <p:nvPr>
-            <p:ph idx="1"/>
-          </p:nvPr>
-        </p:nvSpPr>
-        <p:spPr/>
-        <p:txBody>
-          <a:bodyPr/>
-          <a:lstStyle/>
-          <a:p>
-            <a:endParaRPr lang="en-CA"/>
+              <a:t>Deployment on Azure Application </a:t>
+            </a:r>
           </a:p>
         </p:txBody>
       </p:sp>
@@ -6604,95 +6897,12 @@
           </a:prstGeom>
         </p:spPr>
       </p:pic>
-    </p:spTree>
-    <p:extLst>
-      <p:ext uri="{BB962C8B-B14F-4D97-AF65-F5344CB8AC3E}">
-        <p14:creationId xmlns:p14="http://schemas.microsoft.com/office/powerpoint/2010/main" val="43463190"/>
-      </p:ext>
-    </p:extLst>
-  </p:cSld>
-  <p:clrMapOvr>
-    <a:masterClrMapping/>
-  </p:clrMapOvr>
-</p:sld>
-</file>
-
-<file path=ppt/slides/slide14.xml><?xml version="1.0" encoding="utf-8"?>
-<p:sld xmlns:a="http://schemas.openxmlformats.org/drawingml/2006/main" xmlns:r="http://schemas.openxmlformats.org/officeDocument/2006/relationships" xmlns:p="http://schemas.openxmlformats.org/presentationml/2006/main">
-  <p:cSld>
-    <p:spTree>
-      <p:nvGrpSpPr>
-        <p:cNvPr id="1" name=""/>
-        <p:cNvGrpSpPr/>
-        <p:nvPr/>
-      </p:nvGrpSpPr>
-      <p:grpSpPr>
-        <a:xfrm>
-          <a:off x="0" y="0"/>
-          <a:ext cx="0" cy="0"/>
-          <a:chOff x="0" y="0"/>
-          <a:chExt cx="0" cy="0"/>
-        </a:xfrm>
-      </p:grpSpPr>
-      <p:sp>
-        <p:nvSpPr>
-          <p:cNvPr id="2" name="Title 1">
+      <p:pic>
+        <p:nvPicPr>
+          <p:cNvPr id="8" name="Picture 7">
             <a:extLst>
               <a:ext uri="{FF2B5EF4-FFF2-40B4-BE49-F238E27FC236}">
-                <a16:creationId xmlns:a16="http://schemas.microsoft.com/office/drawing/2014/main" id="{5843CB88-8D67-0BE1-38D9-76F6BEFDA400}"/>
-              </a:ext>
-            </a:extLst>
-          </p:cNvPr>
-          <p:cNvSpPr>
-            <a:spLocks noGrp="1"/>
-          </p:cNvSpPr>
-          <p:nvPr>
-            <p:ph type="title"/>
-          </p:nvPr>
-        </p:nvSpPr>
-        <p:spPr/>
-        <p:txBody>
-          <a:bodyPr/>
-          <a:lstStyle/>
-          <a:p>
-            <a:r>
-              <a:rPr lang="en-CA" dirty="0"/>
-              <a:t>What we Learned 3</a:t>
-            </a:r>
-          </a:p>
-        </p:txBody>
-      </p:sp>
-      <p:sp>
-        <p:nvSpPr>
-          <p:cNvPr id="3" name="Content Placeholder 2">
-            <a:extLst>
-              <a:ext uri="{FF2B5EF4-FFF2-40B4-BE49-F238E27FC236}">
-                <a16:creationId xmlns:a16="http://schemas.microsoft.com/office/drawing/2014/main" id="{29D0438E-EC23-FFAB-ED8F-E7DAB2CF740B}"/>
-              </a:ext>
-            </a:extLst>
-          </p:cNvPr>
-          <p:cNvSpPr>
-            <a:spLocks noGrp="1"/>
-          </p:cNvSpPr>
-          <p:nvPr>
-            <p:ph idx="1"/>
-          </p:nvPr>
-        </p:nvSpPr>
-        <p:spPr/>
-        <p:txBody>
-          <a:bodyPr/>
-          <a:lstStyle/>
-          <a:p>
-            <a:endParaRPr lang="en-CA"/>
-          </a:p>
-        </p:txBody>
-      </p:sp>
-      <p:pic>
-        <p:nvPicPr>
-          <p:cNvPr id="6" name="Picture 5" descr="A picture containing cup, gambling house, tableware, coffee cup&#10;&#10;Description automatically generated">
-            <a:extLst>
-              <a:ext uri="{FF2B5EF4-FFF2-40B4-BE49-F238E27FC236}">
-                <a16:creationId xmlns:a16="http://schemas.microsoft.com/office/drawing/2014/main" id="{5E6D3C85-2BED-80D3-F5B8-E48E08DDAFEC}"/>
+                <a16:creationId xmlns:a16="http://schemas.microsoft.com/office/drawing/2014/main" id="{C2DE93A1-1C0F-62E7-7BB2-34E168C60DFD}"/>
               </a:ext>
             </a:extLst>
           </p:cNvPr>
@@ -6702,21 +6912,75 @@
           <p:nvPr/>
         </p:nvPicPr>
         <p:blipFill>
-          <a:blip r:embed="rId2">
-            <a:extLst>
-              <a:ext uri="{28A0092B-C50C-407E-A947-70E740481C1C}">
-                <a14:useLocalDpi xmlns:a14="http://schemas.microsoft.com/office/drawing/2010/main" val="0"/>
-              </a:ext>
-            </a:extLst>
-          </a:blip>
+          <a:blip r:embed="rId3"/>
           <a:stretch>
             <a:fillRect/>
           </a:stretch>
         </p:blipFill>
         <p:spPr>
           <a:xfrm>
-            <a:off x="10426396" y="427418"/>
-            <a:ext cx="705096" cy="705096"/>
+            <a:off x="692501" y="1693188"/>
+            <a:ext cx="2293478" cy="4562027"/>
+          </a:xfrm>
+          <a:prstGeom prst="rect">
+            <a:avLst/>
+          </a:prstGeom>
+        </p:spPr>
+      </p:pic>
+      <p:pic>
+        <p:nvPicPr>
+          <p:cNvPr id="10" name="Picture 9">
+            <a:extLst>
+              <a:ext uri="{FF2B5EF4-FFF2-40B4-BE49-F238E27FC236}">
+                <a16:creationId xmlns:a16="http://schemas.microsoft.com/office/drawing/2014/main" id="{41F26DED-C896-6D01-A8CC-1F2D06E70A4B}"/>
+              </a:ext>
+            </a:extLst>
+          </p:cNvPr>
+          <p:cNvPicPr>
+            <a:picLocks noChangeAspect="1"/>
+          </p:cNvPicPr>
+          <p:nvPr/>
+        </p:nvPicPr>
+        <p:blipFill>
+          <a:blip r:embed="rId4"/>
+          <a:stretch>
+            <a:fillRect/>
+          </a:stretch>
+        </p:blipFill>
+        <p:spPr>
+          <a:xfrm>
+            <a:off x="3531908" y="1693188"/>
+            <a:ext cx="6820852" cy="1476581"/>
+          </a:xfrm>
+          <a:prstGeom prst="rect">
+            <a:avLst/>
+          </a:prstGeom>
+        </p:spPr>
+      </p:pic>
+      <p:pic>
+        <p:nvPicPr>
+          <p:cNvPr id="12" name="Picture 11">
+            <a:extLst>
+              <a:ext uri="{FF2B5EF4-FFF2-40B4-BE49-F238E27FC236}">
+                <a16:creationId xmlns:a16="http://schemas.microsoft.com/office/drawing/2014/main" id="{88EFEBC9-E799-C580-C154-7071F8169B72}"/>
+              </a:ext>
+            </a:extLst>
+          </p:cNvPr>
+          <p:cNvPicPr>
+            <a:picLocks noChangeAspect="1"/>
+          </p:cNvPicPr>
+          <p:nvPr/>
+        </p:nvPicPr>
+        <p:blipFill>
+          <a:blip r:embed="rId5"/>
+          <a:stretch>
+            <a:fillRect/>
+          </a:stretch>
+        </p:blipFill>
+        <p:spPr>
+          <a:xfrm>
+            <a:off x="3531908" y="3688231"/>
+            <a:ext cx="8053754" cy="2164128"/>
           </a:xfrm>
           <a:prstGeom prst="rect">
             <a:avLst/>
@@ -6726,7 +6990,7 @@
     </p:spTree>
     <p:extLst>
       <p:ext uri="{BB962C8B-B14F-4D97-AF65-F5344CB8AC3E}">
-        <p14:creationId xmlns:p14="http://schemas.microsoft.com/office/powerpoint/2010/main" val="1633954740"/>
+        <p14:creationId xmlns:p14="http://schemas.microsoft.com/office/powerpoint/2010/main" val="43463190"/>
       </p:ext>
     </p:extLst>
   </p:cSld>
@@ -6776,36 +7040,40 @@
           <a:p>
             <a:r>
               <a:rPr lang="en-CA" dirty="0"/>
-              <a:t>What we Learned 4</a:t>
-            </a:r>
-          </a:p>
-        </p:txBody>
-      </p:sp>
-      <p:sp>
-        <p:nvSpPr>
-          <p:cNvPr id="3" name="Content Placeholder 2">
+              <a:t>Easily Edit Your Data with Azure Data Studio</a:t>
+            </a:r>
+          </a:p>
+        </p:txBody>
+      </p:sp>
+      <p:pic>
+        <p:nvPicPr>
+          <p:cNvPr id="5" name="Content Placeholder 4">
             <a:extLst>
               <a:ext uri="{FF2B5EF4-FFF2-40B4-BE49-F238E27FC236}">
-                <a16:creationId xmlns:a16="http://schemas.microsoft.com/office/drawing/2014/main" id="{29D0438E-EC23-FFAB-ED8F-E7DAB2CF740B}"/>
+                <a16:creationId xmlns:a16="http://schemas.microsoft.com/office/drawing/2014/main" id="{35023F77-4266-E89B-7EBF-A924CE86C485}"/>
               </a:ext>
             </a:extLst>
           </p:cNvPr>
-          <p:cNvSpPr>
-            <a:spLocks noGrp="1"/>
-          </p:cNvSpPr>
+          <p:cNvPicPr>
+            <a:picLocks noGrp="1" noChangeAspect="1"/>
+          </p:cNvPicPr>
           <p:nvPr>
             <p:ph idx="1"/>
           </p:nvPr>
-        </p:nvSpPr>
-        <p:spPr/>
-        <p:txBody>
-          <a:bodyPr/>
-          <a:lstStyle/>
-          <a:p>
-            <a:endParaRPr lang="en-CA"/>
-          </a:p>
-        </p:txBody>
-      </p:sp>
+        </p:nvPicPr>
+        <p:blipFill>
+          <a:blip r:embed="rId2"/>
+          <a:stretch>
+            <a:fillRect/>
+          </a:stretch>
+        </p:blipFill>
+        <p:spPr>
+          <a:xfrm>
+            <a:off x="1780140" y="4638821"/>
+            <a:ext cx="8105388" cy="657517"/>
+          </a:xfrm>
+        </p:spPr>
+      </p:pic>
       <p:pic>
         <p:nvPicPr>
           <p:cNvPr id="6" name="Picture 5" descr="A picture containing cup, gambling house, tableware, coffee cup&#10;&#10;Description automatically generated">
@@ -6821,7 +7089,7 @@
           <p:nvPr/>
         </p:nvPicPr>
         <p:blipFill>
-          <a:blip r:embed="rId2">
+          <a:blip r:embed="rId3">
             <a:extLst>
               <a:ext uri="{28A0092B-C50C-407E-A947-70E740481C1C}">
                 <a14:useLocalDpi xmlns:a14="http://schemas.microsoft.com/office/drawing/2010/main" val="0"/>
@@ -6842,10 +7110,40 @@
           </a:prstGeom>
         </p:spPr>
       </p:pic>
+      <p:pic>
+        <p:nvPicPr>
+          <p:cNvPr id="8" name="Picture 7">
+            <a:extLst>
+              <a:ext uri="{FF2B5EF4-FFF2-40B4-BE49-F238E27FC236}">
+                <a16:creationId xmlns:a16="http://schemas.microsoft.com/office/drawing/2014/main" id="{FDD8366F-4E83-0109-49AB-EE1565593A35}"/>
+              </a:ext>
+            </a:extLst>
+          </p:cNvPr>
+          <p:cNvPicPr>
+            <a:picLocks noChangeAspect="1"/>
+          </p:cNvPicPr>
+          <p:nvPr/>
+        </p:nvPicPr>
+        <p:blipFill>
+          <a:blip r:embed="rId4"/>
+          <a:stretch>
+            <a:fillRect/>
+          </a:stretch>
+        </p:blipFill>
+        <p:spPr>
+          <a:xfrm>
+            <a:off x="1780140" y="2395023"/>
+            <a:ext cx="8105388" cy="1837007"/>
+          </a:xfrm>
+          <a:prstGeom prst="rect">
+            <a:avLst/>
+          </a:prstGeom>
+        </p:spPr>
+      </p:pic>
     </p:spTree>
     <p:extLst>
       <p:ext uri="{BB962C8B-B14F-4D97-AF65-F5344CB8AC3E}">
-        <p14:creationId xmlns:p14="http://schemas.microsoft.com/office/powerpoint/2010/main" val="2628444663"/>
+        <p14:creationId xmlns:p14="http://schemas.microsoft.com/office/powerpoint/2010/main" val="4188157836"/>
       </p:ext>
     </p:extLst>
   </p:cSld>
@@ -6916,12 +7214,22 @@
             <p:ph idx="1"/>
           </p:nvPr>
         </p:nvSpPr>
-        <p:spPr/>
-        <p:txBody>
-          <a:bodyPr/>
+        <p:spPr>
+          <a:xfrm>
+            <a:off x="2793353" y="3429000"/>
+            <a:ext cx="6605293" cy="679649"/>
+          </a:xfrm>
+        </p:spPr>
+        <p:txBody>
+          <a:bodyPr>
+            <a:normAutofit/>
+          </a:bodyPr>
           <a:lstStyle/>
           <a:p>
-            <a:endParaRPr lang="en-CA"/>
+            <a:r>
+              <a:rPr lang="en-CA" dirty="0"/>
+              <a:t>Stripe No-Code Solution, fully implement Stripe</a:t>
+            </a:r>
           </a:p>
         </p:txBody>
       </p:sp>
@@ -7013,9 +7321,10 @@
           <a:lstStyle/>
           <a:p>
             <a:r>
-              <a:rPr lang="en-CA" dirty="0"/>
+              <a:rPr lang="en-CA"/>
               <a:t>Summary</a:t>
             </a:r>
+            <a:endParaRPr lang="en-CA" dirty="0"/>
           </a:p>
         </p:txBody>
       </p:sp>
@@ -7040,7 +7349,49 @@
           <a:bodyPr/>
           <a:lstStyle/>
           <a:p>
-            <a:endParaRPr lang="en-CA"/>
+            <a:r>
+              <a:rPr lang="en-CA" dirty="0"/>
+              <a:t>We started with a database-first approach.</a:t>
+            </a:r>
+          </a:p>
+          <a:p>
+            <a:r>
+              <a:rPr lang="en-CA" dirty="0"/>
+              <a:t>Easily created webpages with Razor Pages and it’s annotations.</a:t>
+            </a:r>
+          </a:p>
+          <a:p>
+            <a:r>
+              <a:rPr lang="en-CA" dirty="0"/>
+              <a:t>Decided on a calendar display.</a:t>
+            </a:r>
+          </a:p>
+          <a:p>
+            <a:r>
+              <a:rPr lang="en-CA" dirty="0"/>
+              <a:t>Selected Movies, added showtimes, added Ratings &amp; Reviews.</a:t>
+            </a:r>
+          </a:p>
+          <a:p>
+            <a:r>
+              <a:rPr lang="en-CA" dirty="0"/>
+              <a:t>Order Tickets</a:t>
+            </a:r>
+          </a:p>
+          <a:p>
+            <a:r>
+              <a:rPr lang="en-CA" dirty="0"/>
+              <a:t>Deployed the project</a:t>
+            </a:r>
+          </a:p>
+          <a:p>
+            <a:r>
+              <a:rPr lang="en-CA" dirty="0"/>
+              <a:t>Our final result was a great drive-in experience. Thank you for coming to Moonrise Movies</a:t>
+            </a:r>
+          </a:p>
+          <a:p>
+            <a:endParaRPr lang="en-CA" dirty="0"/>
           </a:p>
         </p:txBody>
       </p:sp>
@@ -7074,6 +7425,42 @@
           <a:xfrm>
             <a:off x="10426396" y="427418"/>
             <a:ext cx="705096" cy="705096"/>
+          </a:xfrm>
+          <a:prstGeom prst="rect">
+            <a:avLst/>
+          </a:prstGeom>
+        </p:spPr>
+      </p:pic>
+      <p:pic>
+        <p:nvPicPr>
+          <p:cNvPr id="4" name="Picture 3" descr="A picture containing cup, gambling house, tableware, coffee cup&#10;&#10;Description automatically generated">
+            <a:extLst>
+              <a:ext uri="{FF2B5EF4-FFF2-40B4-BE49-F238E27FC236}">
+                <a16:creationId xmlns:a16="http://schemas.microsoft.com/office/drawing/2014/main" id="{947754E6-9926-0F5E-478D-8D23C2CD5CB1}"/>
+              </a:ext>
+            </a:extLst>
+          </p:cNvPr>
+          <p:cNvPicPr>
+            <a:picLocks noChangeAspect="1"/>
+          </p:cNvPicPr>
+          <p:nvPr/>
+        </p:nvPicPr>
+        <p:blipFill>
+          <a:blip r:embed="rId2">
+            <a:extLst>
+              <a:ext uri="{28A0092B-C50C-407E-A947-70E740481C1C}">
+                <a14:useLocalDpi xmlns:a14="http://schemas.microsoft.com/office/drawing/2010/main" val="0"/>
+              </a:ext>
+            </a:extLst>
+          </a:blip>
+          <a:stretch>
+            <a:fillRect/>
+          </a:stretch>
+        </p:blipFill>
+        <p:spPr>
+          <a:xfrm>
+            <a:off x="5165651" y="4997302"/>
+            <a:ext cx="1860698" cy="1860698"/>
           </a:xfrm>
           <a:prstGeom prst="rect">
             <a:avLst/>
@@ -7840,7 +8227,7 @@
           <a:p>
             <a:r>
               <a:rPr lang="en-CA" dirty="0"/>
-              <a:t>Stripe Payment</a:t>
+              <a:t>Order Page</a:t>
             </a:r>
           </a:p>
         </p:txBody>
@@ -7879,7 +8266,7 @@
           <a:p>
             <a:r>
               <a:rPr lang="en-CA" dirty="0"/>
-              <a:t>When you order with Stripe, a confirmation email will be sent to you with relevant order details.</a:t>
+              <a:t>When you book a ticket, a confirmation email will be sent to you with relevant order details.</a:t>
             </a:r>
           </a:p>
         </p:txBody>
@@ -8076,8 +8463,8 @@
         </p:nvSpPr>
         <p:spPr>
           <a:xfrm>
-            <a:off x="724487" y="2628149"/>
-            <a:ext cx="6968089" cy="3294184"/>
+            <a:off x="818272" y="3840327"/>
+            <a:ext cx="3144127" cy="2253010"/>
           </a:xfrm>
         </p:spPr>
         <p:txBody>
@@ -8087,18 +8474,6 @@
             <a:r>
               <a:rPr lang="en-CA" dirty="0"/>
               <a:t>CRUD with tables for Movies, Screenings, and Users.</a:t>
-            </a:r>
-          </a:p>
-          <a:p>
-            <a:r>
-              <a:rPr lang="en-CA" dirty="0"/>
-              <a:t>Charts with average ratings from this week.</a:t>
-            </a:r>
-          </a:p>
-          <a:p>
-            <a:r>
-              <a:rPr lang="en-CA" dirty="0"/>
-              <a:t>Blob Storage in Azure</a:t>
             </a:r>
           </a:p>
         </p:txBody>
@@ -8161,20 +8536,30 @@
         </p:blipFill>
         <p:spPr>
           <a:xfrm>
-            <a:off x="724487" y="1111246"/>
-            <a:ext cx="7747612" cy="1471514"/>
+            <a:off x="1146518" y="1323679"/>
+            <a:ext cx="9701909" cy="1870553"/>
           </a:xfrm>
           <a:prstGeom prst="rect">
             <a:avLst/>
           </a:prstGeom>
+          <a:ln>
+            <a:noFill/>
+          </a:ln>
+          <a:effectLst>
+            <a:outerShdw blurRad="292100" dist="139700" dir="2700000" algn="tl" rotWithShape="0">
+              <a:srgbClr val="333333">
+                <a:alpha val="65000"/>
+              </a:srgbClr>
+            </a:outerShdw>
+          </a:effectLst>
         </p:spPr>
       </p:pic>
       <p:pic>
         <p:nvPicPr>
-          <p:cNvPr id="8" name="Picture 7">
+          <p:cNvPr id="12" name="Picture 11">
             <a:extLst>
               <a:ext uri="{FF2B5EF4-FFF2-40B4-BE49-F238E27FC236}">
-                <a16:creationId xmlns:a16="http://schemas.microsoft.com/office/drawing/2014/main" id="{B720EE6E-2BC7-2179-BA48-5CCA19A02E28}"/>
+                <a16:creationId xmlns:a16="http://schemas.microsoft.com/office/drawing/2014/main" id="{605CFFB6-E325-2B46-3513-09E6123E5686}"/>
               </a:ext>
             </a:extLst>
           </p:cNvPr>
@@ -8191,42 +8576,22 @@
         </p:blipFill>
         <p:spPr>
           <a:xfrm>
-            <a:off x="1799934" y="3980344"/>
-            <a:ext cx="5596718" cy="2715004"/>
+            <a:off x="4292990" y="3722044"/>
+            <a:ext cx="7080738" cy="2489575"/>
           </a:xfrm>
           <a:prstGeom prst="rect">
             <a:avLst/>
           </a:prstGeom>
-        </p:spPr>
-      </p:pic>
-      <p:pic>
-        <p:nvPicPr>
-          <p:cNvPr id="10" name="Picture 9">
-            <a:extLst>
-              <a:ext uri="{FF2B5EF4-FFF2-40B4-BE49-F238E27FC236}">
-                <a16:creationId xmlns:a16="http://schemas.microsoft.com/office/drawing/2014/main" id="{93F1206B-1313-AC85-D78A-016DFD4CE7BA}"/>
-              </a:ext>
-            </a:extLst>
-          </p:cNvPr>
-          <p:cNvPicPr>
-            <a:picLocks noChangeAspect="1"/>
-          </p:cNvPicPr>
-          <p:nvPr/>
-        </p:nvPicPr>
-        <p:blipFill>
-          <a:blip r:embed="rId5"/>
-          <a:stretch>
-            <a:fillRect/>
-          </a:stretch>
-        </p:blipFill>
-        <p:spPr>
-          <a:xfrm>
-            <a:off x="8917594" y="1522314"/>
-            <a:ext cx="2549919" cy="4916060"/>
-          </a:xfrm>
-          <a:prstGeom prst="rect">
-            <a:avLst/>
-          </a:prstGeom>
+          <a:ln>
+            <a:noFill/>
+          </a:ln>
+          <a:effectLst>
+            <a:outerShdw blurRad="292100" dist="139700" dir="2700000" algn="tl" rotWithShape="0">
+              <a:srgbClr val="333333">
+                <a:alpha val="65000"/>
+              </a:srgbClr>
+            </a:outerShdw>
+          </a:effectLst>
         </p:spPr>
       </p:pic>
     </p:spTree>
@@ -8282,7 +8647,7 @@
           <a:p>
             <a:r>
               <a:rPr lang="en-CA" dirty="0"/>
-              <a:t>Challenges and Solutions 1</a:t>
+              <a:t>Charts &amp; Blob Storage</a:t>
             </a:r>
           </a:p>
         </p:txBody>
@@ -8308,7 +8673,19 @@
           <a:bodyPr/>
           <a:lstStyle/>
           <a:p>
-            <a:endParaRPr lang="en-CA"/>
+            <a:r>
+              <a:rPr lang="en-CA" dirty="0"/>
+              <a:t>Charts with average ratings from this week.</a:t>
+            </a:r>
+          </a:p>
+          <a:p>
+            <a:r>
+              <a:rPr lang="en-CA" dirty="0"/>
+              <a:t>Blob Storage in Azure</a:t>
+            </a:r>
+          </a:p>
+          <a:p>
+            <a:endParaRPr lang="en-CA" dirty="0"/>
           </a:p>
         </p:txBody>
       </p:sp>
@@ -8342,6 +8719,66 @@
           <a:xfrm>
             <a:off x="10426396" y="427418"/>
             <a:ext cx="705096" cy="705096"/>
+          </a:xfrm>
+          <a:prstGeom prst="rect">
+            <a:avLst/>
+          </a:prstGeom>
+        </p:spPr>
+      </p:pic>
+      <p:pic>
+        <p:nvPicPr>
+          <p:cNvPr id="4" name="Picture 3">
+            <a:extLst>
+              <a:ext uri="{FF2B5EF4-FFF2-40B4-BE49-F238E27FC236}">
+                <a16:creationId xmlns:a16="http://schemas.microsoft.com/office/drawing/2014/main" id="{7016DE98-0167-0B1A-8B19-3BA06A8048AA}"/>
+              </a:ext>
+            </a:extLst>
+          </p:cNvPr>
+          <p:cNvPicPr>
+            <a:picLocks noChangeAspect="1"/>
+          </p:cNvPicPr>
+          <p:nvPr/>
+        </p:nvPicPr>
+        <p:blipFill>
+          <a:blip r:embed="rId3"/>
+          <a:stretch>
+            <a:fillRect/>
+          </a:stretch>
+        </p:blipFill>
+        <p:spPr>
+          <a:xfrm>
+            <a:off x="1103312" y="3257330"/>
+            <a:ext cx="6489196" cy="3147951"/>
+          </a:xfrm>
+          <a:prstGeom prst="rect">
+            <a:avLst/>
+          </a:prstGeom>
+        </p:spPr>
+      </p:pic>
+      <p:pic>
+        <p:nvPicPr>
+          <p:cNvPr id="5" name="Picture 4">
+            <a:extLst>
+              <a:ext uri="{FF2B5EF4-FFF2-40B4-BE49-F238E27FC236}">
+                <a16:creationId xmlns:a16="http://schemas.microsoft.com/office/drawing/2014/main" id="{A23EBCCA-E7FB-2021-01AD-7C80426050C4}"/>
+              </a:ext>
+            </a:extLst>
+          </p:cNvPr>
+          <p:cNvPicPr>
+            <a:picLocks noChangeAspect="1"/>
+          </p:cNvPicPr>
+          <p:nvPr/>
+        </p:nvPicPr>
+        <p:blipFill>
+          <a:blip r:embed="rId4"/>
+          <a:stretch>
+            <a:fillRect/>
+          </a:stretch>
+        </p:blipFill>
+        <p:spPr>
+          <a:xfrm>
+            <a:off x="8728606" y="1489221"/>
+            <a:ext cx="2549919" cy="4916060"/>
           </a:xfrm>
           <a:prstGeom prst="rect">
             <a:avLst/>
@@ -8401,36 +8838,46 @@
           <a:p>
             <a:r>
               <a:rPr lang="en-CA" dirty="0"/>
-              <a:t>Challenges and Solutions 2</a:t>
-            </a:r>
-          </a:p>
-        </p:txBody>
-      </p:sp>
-      <p:sp>
-        <p:nvSpPr>
-          <p:cNvPr id="3" name="Content Placeholder 2">
+              <a:t>Database Design</a:t>
+            </a:r>
+          </a:p>
+        </p:txBody>
+      </p:sp>
+      <p:pic>
+        <p:nvPicPr>
+          <p:cNvPr id="5" name="Content Placeholder 4" descr="Diagram&#10;&#10;Description automatically generated">
             <a:extLst>
               <a:ext uri="{FF2B5EF4-FFF2-40B4-BE49-F238E27FC236}">
-                <a16:creationId xmlns:a16="http://schemas.microsoft.com/office/drawing/2014/main" id="{29D0438E-EC23-FFAB-ED8F-E7DAB2CF740B}"/>
+                <a16:creationId xmlns:a16="http://schemas.microsoft.com/office/drawing/2014/main" id="{58B3976C-8DFB-1E75-6C12-A6982A0399A1}"/>
               </a:ext>
             </a:extLst>
           </p:cNvPr>
-          <p:cNvSpPr>
-            <a:spLocks noGrp="1"/>
-          </p:cNvSpPr>
+          <p:cNvPicPr>
+            <a:picLocks noGrp="1" noChangeAspect="1"/>
+          </p:cNvPicPr>
           <p:nvPr>
             <p:ph idx="1"/>
           </p:nvPr>
-        </p:nvSpPr>
-        <p:spPr/>
-        <p:txBody>
-          <a:bodyPr/>
-          <a:lstStyle/>
-          <a:p>
-            <a:endParaRPr lang="en-CA"/>
-          </a:p>
-        </p:txBody>
-      </p:sp>
+        </p:nvPicPr>
+        <p:blipFill>
+          <a:blip r:embed="rId2">
+            <a:extLst>
+              <a:ext uri="{28A0092B-C50C-407E-A947-70E740481C1C}">
+                <a14:useLocalDpi xmlns:a14="http://schemas.microsoft.com/office/drawing/2010/main" val="0"/>
+              </a:ext>
+            </a:extLst>
+          </a:blip>
+          <a:stretch>
+            <a:fillRect/>
+          </a:stretch>
+        </p:blipFill>
+        <p:spPr>
+          <a:xfrm>
+            <a:off x="5852899" y="1418492"/>
+            <a:ext cx="6163823" cy="4630414"/>
+          </a:xfrm>
+        </p:spPr>
+      </p:pic>
       <p:pic>
         <p:nvPicPr>
           <p:cNvPr id="6" name="Picture 5" descr="A picture containing cup, gambling house, tableware, coffee cup&#10;&#10;Description automatically generated">
@@ -8446,7 +8893,7 @@
           <p:nvPr/>
         </p:nvPicPr>
         <p:blipFill>
-          <a:blip r:embed="rId2">
+          <a:blip r:embed="rId3">
             <a:extLst>
               <a:ext uri="{28A0092B-C50C-407E-A947-70E740481C1C}">
                 <a14:useLocalDpi xmlns:a14="http://schemas.microsoft.com/office/drawing/2010/main" val="0"/>
@@ -8467,10 +8914,40 @@
           </a:prstGeom>
         </p:spPr>
       </p:pic>
+      <p:pic>
+        <p:nvPicPr>
+          <p:cNvPr id="11" name="Picture 10">
+            <a:extLst>
+              <a:ext uri="{FF2B5EF4-FFF2-40B4-BE49-F238E27FC236}">
+                <a16:creationId xmlns:a16="http://schemas.microsoft.com/office/drawing/2014/main" id="{D79F5D11-1AEE-5DBF-BAA1-F3BB0FC685B9}"/>
+              </a:ext>
+            </a:extLst>
+          </p:cNvPr>
+          <p:cNvPicPr>
+            <a:picLocks noChangeAspect="1"/>
+          </p:cNvPicPr>
+          <p:nvPr/>
+        </p:nvPicPr>
+        <p:blipFill>
+          <a:blip r:embed="rId4"/>
+          <a:stretch>
+            <a:fillRect/>
+          </a:stretch>
+        </p:blipFill>
+        <p:spPr>
+          <a:xfrm>
+            <a:off x="168747" y="2573911"/>
+            <a:ext cx="5493500" cy="2921637"/>
+          </a:xfrm>
+          <a:prstGeom prst="rect">
+            <a:avLst/>
+          </a:prstGeom>
+        </p:spPr>
+      </p:pic>
     </p:spTree>
     <p:extLst>
       <p:ext uri="{BB962C8B-B14F-4D97-AF65-F5344CB8AC3E}">
-        <p14:creationId xmlns:p14="http://schemas.microsoft.com/office/powerpoint/2010/main" val="2730552534"/>
+        <p14:creationId xmlns:p14="http://schemas.microsoft.com/office/powerpoint/2010/main" val="696843987"/>
       </p:ext>
     </p:extLst>
   </p:cSld>

--- a/Files/MoonriseMoviesPresentation.pptx
+++ b/Files/MoonriseMoviesPresentation.pptx
@@ -7963,10 +7963,10 @@
       </p:pic>
       <p:pic>
         <p:nvPicPr>
-          <p:cNvPr id="4" name="Picture 3">
+          <p:cNvPr id="7" name="Picture 6">
             <a:extLst>
               <a:ext uri="{FF2B5EF4-FFF2-40B4-BE49-F238E27FC236}">
-                <a16:creationId xmlns:a16="http://schemas.microsoft.com/office/drawing/2014/main" id="{CD3B19B5-AC4F-1583-6EE4-52C31E994E61}"/>
+                <a16:creationId xmlns:a16="http://schemas.microsoft.com/office/drawing/2014/main" id="{E57F27D2-394C-7A68-95D8-04DF54950485}"/>
               </a:ext>
             </a:extLst>
           </p:cNvPr>
@@ -7983,8 +7983,8 @@
         </p:blipFill>
         <p:spPr>
           <a:xfrm>
-            <a:off x="6262577" y="1853247"/>
-            <a:ext cx="5531721" cy="3915877"/>
+            <a:off x="6096000" y="1794769"/>
+            <a:ext cx="5816083" cy="3833843"/>
           </a:xfrm>
           <a:prstGeom prst="rect">
             <a:avLst/>

--- a/Files/MoonriseMoviesPresentation.pptx
+++ b/Files/MoonriseMoviesPresentation.pptx
@@ -311,7 +311,7 @@
           <a:p>
             <a:fld id="{C4C73551-F007-4CC9-A6B5-FBD21EF4FF8D}" type="datetimeFigureOut">
               <a:rPr lang="en-CA" smtClean="0"/>
-              <a:t>13/11/2022</a:t>
+              <a:t>2022-11-13</a:t>
             </a:fld>
             <a:endParaRPr lang="en-CA"/>
           </a:p>
@@ -586,7 +586,7 @@
           <a:p>
             <a:fld id="{C4C73551-F007-4CC9-A6B5-FBD21EF4FF8D}" type="datetimeFigureOut">
               <a:rPr lang="en-CA" smtClean="0"/>
-              <a:t>13/11/2022</a:t>
+              <a:t>2022-11-13</a:t>
             </a:fld>
             <a:endParaRPr lang="en-CA"/>
           </a:p>
@@ -780,7 +780,7 @@
           <a:p>
             <a:fld id="{C4C73551-F007-4CC9-A6B5-FBD21EF4FF8D}" type="datetimeFigureOut">
               <a:rPr lang="en-CA" smtClean="0"/>
-              <a:t>13/11/2022</a:t>
+              <a:t>2022-11-13</a:t>
             </a:fld>
             <a:endParaRPr lang="en-CA"/>
           </a:p>
@@ -1048,7 +1048,7 @@
           <a:p>
             <a:fld id="{C4C73551-F007-4CC9-A6B5-FBD21EF4FF8D}" type="datetimeFigureOut">
               <a:rPr lang="en-CA" smtClean="0"/>
-              <a:t>13/11/2022</a:t>
+              <a:t>2022-11-13</a:t>
             </a:fld>
             <a:endParaRPr lang="en-CA"/>
           </a:p>
@@ -1380,7 +1380,7 @@
           <a:p>
             <a:fld id="{C4C73551-F007-4CC9-A6B5-FBD21EF4FF8D}" type="datetimeFigureOut">
               <a:rPr lang="en-CA" smtClean="0"/>
-              <a:t>13/11/2022</a:t>
+              <a:t>2022-11-13</a:t>
             </a:fld>
             <a:endParaRPr lang="en-CA"/>
           </a:p>
@@ -1990,7 +1990,7 @@
           <a:p>
             <a:fld id="{C4C73551-F007-4CC9-A6B5-FBD21EF4FF8D}" type="datetimeFigureOut">
               <a:rPr lang="en-CA" smtClean="0"/>
-              <a:t>13/11/2022</a:t>
+              <a:t>2022-11-13</a:t>
             </a:fld>
             <a:endParaRPr lang="en-CA"/>
           </a:p>
@@ -2837,7 +2837,7 @@
           <a:p>
             <a:fld id="{C4C73551-F007-4CC9-A6B5-FBD21EF4FF8D}" type="datetimeFigureOut">
               <a:rPr lang="en-CA" smtClean="0"/>
-              <a:t>13/11/2022</a:t>
+              <a:t>2022-11-13</a:t>
             </a:fld>
             <a:endParaRPr lang="en-CA"/>
           </a:p>
@@ -3007,7 +3007,7 @@
           <a:p>
             <a:fld id="{C4C73551-F007-4CC9-A6B5-FBD21EF4FF8D}" type="datetimeFigureOut">
               <a:rPr lang="en-CA" smtClean="0"/>
-              <a:t>13/11/2022</a:t>
+              <a:t>2022-11-13</a:t>
             </a:fld>
             <a:endParaRPr lang="en-CA"/>
           </a:p>
@@ -3187,7 +3187,7 @@
           <a:p>
             <a:fld id="{C4C73551-F007-4CC9-A6B5-FBD21EF4FF8D}" type="datetimeFigureOut">
               <a:rPr lang="en-CA" smtClean="0"/>
-              <a:t>13/11/2022</a:t>
+              <a:t>2022-11-13</a:t>
             </a:fld>
             <a:endParaRPr lang="en-CA"/>
           </a:p>
@@ -3357,7 +3357,7 @@
           <a:p>
             <a:fld id="{C4C73551-F007-4CC9-A6B5-FBD21EF4FF8D}" type="datetimeFigureOut">
               <a:rPr lang="en-CA" smtClean="0"/>
-              <a:t>13/11/2022</a:t>
+              <a:t>2022-11-13</a:t>
             </a:fld>
             <a:endParaRPr lang="en-CA"/>
           </a:p>
@@ -3601,7 +3601,7 @@
           <a:p>
             <a:fld id="{C4C73551-F007-4CC9-A6B5-FBD21EF4FF8D}" type="datetimeFigureOut">
               <a:rPr lang="en-CA" smtClean="0"/>
-              <a:t>13/11/2022</a:t>
+              <a:t>2022-11-13</a:t>
             </a:fld>
             <a:endParaRPr lang="en-CA"/>
           </a:p>
@@ -3893,7 +3893,7 @@
           <a:p>
             <a:fld id="{C4C73551-F007-4CC9-A6B5-FBD21EF4FF8D}" type="datetimeFigureOut">
               <a:rPr lang="en-CA" smtClean="0"/>
-              <a:t>13/11/2022</a:t>
+              <a:t>2022-11-13</a:t>
             </a:fld>
             <a:endParaRPr lang="en-CA"/>
           </a:p>
@@ -4331,7 +4331,7 @@
           <a:p>
             <a:fld id="{C4C73551-F007-4CC9-A6B5-FBD21EF4FF8D}" type="datetimeFigureOut">
               <a:rPr lang="en-CA" smtClean="0"/>
-              <a:t>13/11/2022</a:t>
+              <a:t>2022-11-13</a:t>
             </a:fld>
             <a:endParaRPr lang="en-CA"/>
           </a:p>
@@ -4449,7 +4449,7 @@
           <a:p>
             <a:fld id="{C4C73551-F007-4CC9-A6B5-FBD21EF4FF8D}" type="datetimeFigureOut">
               <a:rPr lang="en-CA" smtClean="0"/>
-              <a:t>13/11/2022</a:t>
+              <a:t>2022-11-13</a:t>
             </a:fld>
             <a:endParaRPr lang="en-CA"/>
           </a:p>
@@ -4544,7 +4544,7 @@
           <a:p>
             <a:fld id="{C4C73551-F007-4CC9-A6B5-FBD21EF4FF8D}" type="datetimeFigureOut">
               <a:rPr lang="en-CA" smtClean="0"/>
-              <a:t>13/11/2022</a:t>
+              <a:t>2022-11-13</a:t>
             </a:fld>
             <a:endParaRPr lang="en-CA"/>
           </a:p>
@@ -4823,7 +4823,7 @@
           <a:p>
             <a:fld id="{C4C73551-F007-4CC9-A6B5-FBD21EF4FF8D}" type="datetimeFigureOut">
               <a:rPr lang="en-CA" smtClean="0"/>
-              <a:t>13/11/2022</a:t>
+              <a:t>2022-11-13</a:t>
             </a:fld>
             <a:endParaRPr lang="en-CA"/>
           </a:p>
@@ -5098,7 +5098,7 @@
           <a:p>
             <a:fld id="{C4C73551-F007-4CC9-A6B5-FBD21EF4FF8D}" type="datetimeFigureOut">
               <a:rPr lang="en-CA" smtClean="0"/>
-              <a:t>13/11/2022</a:t>
+              <a:t>2022-11-13</a:t>
             </a:fld>
             <a:endParaRPr lang="en-CA"/>
           </a:p>
@@ -5527,7 +5527,7 @@
           <a:p>
             <a:fld id="{C4C73551-F007-4CC9-A6B5-FBD21EF4FF8D}" type="datetimeFigureOut">
               <a:rPr lang="en-CA" smtClean="0"/>
-              <a:t>13/11/2022</a:t>
+              <a:t>2022-11-13</a:t>
             </a:fld>
             <a:endParaRPr lang="en-CA"/>
           </a:p>
@@ -8873,8 +8873,8 @@
         </p:blipFill>
         <p:spPr>
           <a:xfrm>
-            <a:off x="5852899" y="1418492"/>
-            <a:ext cx="6163823" cy="4630414"/>
+            <a:off x="8162137" y="1765327"/>
+            <a:ext cx="3777394" cy="4011811"/>
           </a:xfrm>
         </p:spPr>
       </p:pic>
@@ -8916,10 +8916,10 @@
       </p:pic>
       <p:pic>
         <p:nvPicPr>
-          <p:cNvPr id="11" name="Picture 10">
+          <p:cNvPr id="4" name="Picture 3" descr="Diagram&#10;&#10;Description automatically generated">
             <a:extLst>
               <a:ext uri="{FF2B5EF4-FFF2-40B4-BE49-F238E27FC236}">
-                <a16:creationId xmlns:a16="http://schemas.microsoft.com/office/drawing/2014/main" id="{D79F5D11-1AEE-5DBF-BAA1-F3BB0FC685B9}"/>
+                <a16:creationId xmlns:a16="http://schemas.microsoft.com/office/drawing/2014/main" id="{D9FB5BFC-C0DB-354B-017B-A4D47854C372}"/>
               </a:ext>
             </a:extLst>
           </p:cNvPr>
@@ -8929,21 +8929,62 @@
           <p:nvPr/>
         </p:nvPicPr>
         <p:blipFill>
-          <a:blip r:embed="rId4"/>
+          <a:blip r:embed="rId4">
+            <a:extLst>
+              <a:ext uri="{28A0092B-C50C-407E-A947-70E740481C1C}">
+                <a14:useLocalDpi xmlns:a14="http://schemas.microsoft.com/office/drawing/2010/main" val="0"/>
+              </a:ext>
+            </a:extLst>
+          </a:blip>
           <a:stretch>
             <a:fillRect/>
           </a:stretch>
         </p:blipFill>
         <p:spPr>
           <a:xfrm>
-            <a:off x="168747" y="2573911"/>
-            <a:ext cx="5493500" cy="2921637"/>
+            <a:off x="270549" y="1765327"/>
+            <a:ext cx="7774225" cy="4011811"/>
           </a:xfrm>
           <a:prstGeom prst="rect">
             <a:avLst/>
           </a:prstGeom>
         </p:spPr>
       </p:pic>
+      <p:sp>
+        <p:nvSpPr>
+          <p:cNvPr id="7" name="TextBox 6">
+            <a:extLst>
+              <a:ext uri="{FF2B5EF4-FFF2-40B4-BE49-F238E27FC236}">
+                <a16:creationId xmlns:a16="http://schemas.microsoft.com/office/drawing/2014/main" id="{0CB00820-0625-E788-0A77-E40C56FCA999}"/>
+              </a:ext>
+            </a:extLst>
+          </p:cNvPr>
+          <p:cNvSpPr txBox="1"/>
+          <p:nvPr/>
+        </p:nvSpPr>
+        <p:spPr>
+          <a:xfrm>
+            <a:off x="758757" y="1254867"/>
+            <a:ext cx="7286017" cy="369332"/>
+          </a:xfrm>
+          <a:prstGeom prst="rect">
+            <a:avLst/>
+          </a:prstGeom>
+          <a:noFill/>
+        </p:spPr>
+        <p:txBody>
+          <a:bodyPr wrap="square" rtlCol="0">
+            <a:spAutoFit/>
+          </a:bodyPr>
+          <a:lstStyle/>
+          <a:p>
+            <a:r>
+              <a:rPr lang="en-CA" dirty="0"/>
+              <a:t>Schema Visualization Extension in Azure Data Studio</a:t>
+            </a:r>
+          </a:p>
+        </p:txBody>
+      </p:sp>
     </p:spTree>
     <p:extLst>
       <p:ext uri="{BB962C8B-B14F-4D97-AF65-F5344CB8AC3E}">
